--- a/05. Apresentações/10774009 - Apresentação da Evolução do Projeto (1).pptx
+++ b/05. Apresentações/10774009 - Apresentação da Evolução do Projeto (1).pptx
@@ -5,21 +5,22 @@
     <p:sldMasterId id="2147483648" r:id="rId1"/>
   </p:sldMasterIdLst>
   <p:notesMasterIdLst>
-    <p:notesMasterId r:id="rId6"/>
+    <p:notesMasterId r:id="rId7"/>
   </p:notesMasterIdLst>
   <p:handoutMasterIdLst>
-    <p:handoutMasterId r:id="rId7"/>
+    <p:handoutMasterId r:id="rId8"/>
   </p:handoutMasterIdLst>
   <p:sldIdLst>
     <p:sldId id="259" r:id="rId2"/>
-    <p:sldId id="268" r:id="rId3"/>
-    <p:sldId id="266" r:id="rId4"/>
-    <p:sldId id="267" r:id="rId5"/>
+    <p:sldId id="272" r:id="rId3"/>
+    <p:sldId id="269" r:id="rId4"/>
+    <p:sldId id="270" r:id="rId5"/>
+    <p:sldId id="271" r:id="rId6"/>
   </p:sldIdLst>
   <p:sldSz cx="12192000" cy="6858000"/>
   <p:notesSz cx="6858000" cy="9144000"/>
   <p:custDataLst>
-    <p:tags r:id="rId8"/>
+    <p:tags r:id="rId9"/>
   </p:custDataLst>
   <p:defaultTextStyle>
     <a:defPPr>
@@ -119,7 +120,7 @@
   <p:extLst>
     <p:ext uri="{EFAFB233-063F-42B5-8137-9DF3F51BA10A}">
       <p15:sldGuideLst xmlns:p15="http://schemas.microsoft.com/office/powerpoint/2012/main">
-        <p15:guide id="1" orient="horz" pos="2160" userDrawn="1">
+        <p15:guide id="1" orient="horz" pos="2183" userDrawn="1">
           <p15:clr>
             <a:srgbClr val="A4A3A4"/>
           </p15:clr>
@@ -182,7 +183,7 @@
           <p:cNvPr id="2" name="Espaço Reservado para Cabeçalho 1">
             <a:extLst>
               <a:ext uri="{FF2B5EF4-FFF2-40B4-BE49-F238E27FC236}">
-                <a16:creationId xmlns:a16="http://schemas.microsoft.com/office/drawing/2014/main" xmlns="" id="{C1E0D5BE-5C50-4AB6-BAB2-5023FA45398E}"/>
+                <a16:creationId xmlns:a16="http://schemas.microsoft.com/office/drawing/2014/main" id="{C1E0D5BE-5C50-4AB6-BAB2-5023FA45398E}"/>
               </a:ext>
             </a:extLst>
           </p:cNvPr>
@@ -219,7 +220,7 @@
           <p:cNvPr id="3" name="Espaço Reservado para Data 2">
             <a:extLst>
               <a:ext uri="{FF2B5EF4-FFF2-40B4-BE49-F238E27FC236}">
-                <a16:creationId xmlns:a16="http://schemas.microsoft.com/office/drawing/2014/main" xmlns="" id="{08673636-05DE-42C3-A72B-88BBEFD65393}"/>
+                <a16:creationId xmlns:a16="http://schemas.microsoft.com/office/drawing/2014/main" id="{08673636-05DE-42C3-A72B-88BBEFD65393}"/>
               </a:ext>
             </a:extLst>
           </p:cNvPr>
@@ -260,7 +261,7 @@
           <p:cNvPr id="4" name="Espaço Reservado para Rodapé 3">
             <a:extLst>
               <a:ext uri="{FF2B5EF4-FFF2-40B4-BE49-F238E27FC236}">
-                <a16:creationId xmlns:a16="http://schemas.microsoft.com/office/drawing/2014/main" xmlns="" id="{45C104F4-FC6C-4EA4-B2CE-737B5C62202E}"/>
+                <a16:creationId xmlns:a16="http://schemas.microsoft.com/office/drawing/2014/main" id="{45C104F4-FC6C-4EA4-B2CE-737B5C62202E}"/>
               </a:ext>
             </a:extLst>
           </p:cNvPr>
@@ -297,7 +298,7 @@
           <p:cNvPr id="5" name="Espaço Reservado para Número de Slide 4">
             <a:extLst>
               <a:ext uri="{FF2B5EF4-FFF2-40B4-BE49-F238E27FC236}">
-                <a16:creationId xmlns:a16="http://schemas.microsoft.com/office/drawing/2014/main" xmlns="" id="{F6AEE9A4-05A9-45B9-B483-F206C8793AE0}"/>
+                <a16:creationId xmlns:a16="http://schemas.microsoft.com/office/drawing/2014/main" id="{F6AEE9A4-05A9-45B9-B483-F206C8793AE0}"/>
               </a:ext>
             </a:extLst>
           </p:cNvPr>
@@ -490,35 +491,35 @@
           <a:p>
             <a:pPr lvl="0"/>
             <a:r>
-              <a:rPr lang="pt-BR" smtClean="0"/>
+              <a:rPr lang="pt-BR"/>
               <a:t>Clique para editar o texto mestre</a:t>
             </a:r>
           </a:p>
           <a:p>
             <a:pPr lvl="1"/>
             <a:r>
-              <a:rPr lang="pt-BR" smtClean="0"/>
+              <a:rPr lang="pt-BR"/>
               <a:t>Segundo nível</a:t>
             </a:r>
           </a:p>
           <a:p>
             <a:pPr lvl="2"/>
             <a:r>
-              <a:rPr lang="pt-BR" smtClean="0"/>
+              <a:rPr lang="pt-BR"/>
               <a:t>Terceiro nível</a:t>
             </a:r>
           </a:p>
           <a:p>
             <a:pPr lvl="3"/>
             <a:r>
-              <a:rPr lang="pt-BR" smtClean="0"/>
+              <a:rPr lang="pt-BR"/>
               <a:t>Quarto nível</a:t>
             </a:r>
           </a:p>
           <a:p>
             <a:pPr lvl="4"/>
             <a:r>
-              <a:rPr lang="pt-BR" smtClean="0"/>
+              <a:rPr lang="pt-BR"/>
               <a:t>Quinto nível</a:t>
             </a:r>
             <a:endParaRPr lang="en-US"/>
@@ -738,7 +739,7 @@
           <a:bodyPr/>
           <a:lstStyle/>
           <a:p>
-            <a:endParaRPr lang="en-US"/>
+            <a:endParaRPr lang="pt-BR"/>
           </a:p>
         </p:txBody>
       </p:sp>
@@ -749,7 +750,7 @@
             <a:spLocks noGrp="1"/>
           </p:cNvSpPr>
           <p:nvPr>
-            <p:ph type="sldNum" sz="quarter" idx="10"/>
+            <p:ph type="sldNum" sz="quarter" idx="5"/>
           </p:nvPr>
         </p:nvSpPr>
         <p:spPr/>
@@ -768,7 +769,7 @@
     </p:spTree>
     <p:extLst>
       <p:ext uri="{BB962C8B-B14F-4D97-AF65-F5344CB8AC3E}">
-        <p14:creationId xmlns:p14="http://schemas.microsoft.com/office/powerpoint/2010/main" val="4036220901"/>
+        <p14:creationId xmlns:p14="http://schemas.microsoft.com/office/powerpoint/2010/main" val="3714255704"/>
       </p:ext>
     </p:extLst>
   </p:cSld>
@@ -800,7 +801,7 @@
           <p:cNvPr id="8" name="Objeto 7" hidden="1">
             <a:extLst>
               <a:ext uri="{FF2B5EF4-FFF2-40B4-BE49-F238E27FC236}">
-                <a16:creationId xmlns:a16="http://schemas.microsoft.com/office/drawing/2014/main" xmlns="" id="{A13BFAD3-7B96-4D73-B827-CFE2DC9BC71D}"/>
+                <a16:creationId xmlns:a16="http://schemas.microsoft.com/office/drawing/2014/main" id="{A13BFAD3-7B96-4D73-B827-CFE2DC9BC71D}"/>
               </a:ext>
             </a:extLst>
           </p:cNvPr>
@@ -809,7 +810,7 @@
           </p:cNvGraphicFramePr>
           <p:nvPr userDrawn="1">
             <p:custDataLst>
-              <p:tags r:id="rId2"/>
+              <p:tags r:id="rId1"/>
             </p:custDataLst>
             <p:extLst>
               <p:ext uri="{D42A27DB-BD31-4B8C-83A1-F6EECF244321}">
@@ -826,12 +827,12 @@
           <a:graphicData uri="http://schemas.openxmlformats.org/presentationml/2006/ole">
             <mc:AlternateContent xmlns:mc="http://schemas.openxmlformats.org/markup-compatibility/2006">
               <mc:Choice xmlns:v="urn:schemas-microsoft-com:vml" Requires="v">
-                <p:oleObj spid="_x0000_s2052" name="Slide do think-cell" r:id="rId4" imgW="395" imgH="396" progId="TCLayout.ActiveDocument.1">
+                <p:oleObj name="Slide do think-cell" r:id="rId3" imgW="395" imgH="396" progId="TCLayout.ActiveDocument.1">
                   <p:embed/>
                 </p:oleObj>
               </mc:Choice>
               <mc:Fallback>
-                <p:oleObj name="Slide do think-cell" r:id="rId4" imgW="395" imgH="396" progId="TCLayout.ActiveDocument.1">
+                <p:oleObj name="Slide do think-cell" r:id="rId3" imgW="395" imgH="396" progId="TCLayout.ActiveDocument.1">
                   <p:embed/>
                   <p:pic>
                     <p:nvPicPr>
@@ -840,7 +841,7 @@
                       <p:nvPr/>
                     </p:nvPicPr>
                     <p:blipFill>
-                      <a:blip r:embed="rId5"/>
+                      <a:blip r:embed="rId4"/>
                       <a:stretch>
                         <a:fillRect/>
                       </a:stretch>
@@ -866,7 +867,7 @@
           <p:cNvPr id="2" name="Título 1">
             <a:extLst>
               <a:ext uri="{FF2B5EF4-FFF2-40B4-BE49-F238E27FC236}">
-                <a16:creationId xmlns:a16="http://schemas.microsoft.com/office/drawing/2014/main" xmlns="" id="{397E2402-5932-4C73-A564-DA0F0B69E432}"/>
+                <a16:creationId xmlns:a16="http://schemas.microsoft.com/office/drawing/2014/main" id="{397E2402-5932-4C73-A564-DA0F0B69E432}"/>
               </a:ext>
             </a:extLst>
           </p:cNvPr>
@@ -920,7 +921,7 @@
           <p:cNvPr id="29" name="Conector reto 28">
             <a:extLst>
               <a:ext uri="{FF2B5EF4-FFF2-40B4-BE49-F238E27FC236}">
-                <a16:creationId xmlns:a16="http://schemas.microsoft.com/office/drawing/2014/main" xmlns="" id="{014D260E-C58D-4A9C-B2FE-06A2EF3ABC7F}"/>
+                <a16:creationId xmlns:a16="http://schemas.microsoft.com/office/drawing/2014/main" id="{014D260E-C58D-4A9C-B2FE-06A2EF3ABC7F}"/>
               </a:ext>
             </a:extLst>
           </p:cNvPr>
@@ -956,7 +957,7 @@
           <p:cNvPr id="34" name="CaixaDeTexto 33">
             <a:extLst>
               <a:ext uri="{FF2B5EF4-FFF2-40B4-BE49-F238E27FC236}">
-                <a16:creationId xmlns:a16="http://schemas.microsoft.com/office/drawing/2014/main" xmlns="" id="{75EDF841-6611-43D1-8A36-291CFC47142E}"/>
+                <a16:creationId xmlns:a16="http://schemas.microsoft.com/office/drawing/2014/main" id="{75EDF841-6611-43D1-8A36-291CFC47142E}"/>
               </a:ext>
             </a:extLst>
           </p:cNvPr>
@@ -997,7 +998,7 @@
               <a:defRPr/>
             </a:pPr>
             <a:r>
-              <a:rPr lang="pt-BR" sz="800" dirty="0" smtClean="0">
+              <a:rPr lang="pt-BR" sz="800" dirty="0">
                 <a:solidFill>
                   <a:schemeClr val="tx1"/>
                 </a:solidFill>
@@ -1014,7 +1015,7 @@
           <p:cNvPr id="1026" name="Picture 2" descr="Identidade visual da Escola Politécnica da USP – ESCOLA POLITÉCNICA">
             <a:extLst>
               <a:ext uri="{FF2B5EF4-FFF2-40B4-BE49-F238E27FC236}">
-                <a16:creationId xmlns:a16="http://schemas.microsoft.com/office/drawing/2014/main" xmlns="" id="{61BB95BE-8527-4EB9-A85D-F4844B72BC13}"/>
+                <a16:creationId xmlns:a16="http://schemas.microsoft.com/office/drawing/2014/main" id="{61BB95BE-8527-4EB9-A85D-F4844B72BC13}"/>
               </a:ext>
             </a:extLst>
           </p:cNvPr>
@@ -1024,7 +1025,7 @@
           <p:nvPr userDrawn="1"/>
         </p:nvPicPr>
         <p:blipFill>
-          <a:blip r:embed="rId6" cstate="print">
+          <a:blip r:embed="rId5" cstate="print">
             <a:extLst>
               <a:ext uri="{28A0092B-C50C-407E-A947-70E740481C1C}">
                 <a14:useLocalDpi xmlns:a14="http://schemas.microsoft.com/office/drawing/2010/main" val="0"/>
@@ -1061,7 +1062,7 @@
           <p:cNvPr id="1028" name="Picture 4" descr="Mais Notícias… – Página: 2 – PCS">
             <a:extLst>
               <a:ext uri="{FF2B5EF4-FFF2-40B4-BE49-F238E27FC236}">
-                <a16:creationId xmlns:a16="http://schemas.microsoft.com/office/drawing/2014/main" xmlns="" id="{9F79E4C0-2DED-4D26-85F7-35663F75BFAB}"/>
+                <a16:creationId xmlns:a16="http://schemas.microsoft.com/office/drawing/2014/main" id="{9F79E4C0-2DED-4D26-85F7-35663F75BFAB}"/>
               </a:ext>
             </a:extLst>
           </p:cNvPr>
@@ -1071,7 +1072,7 @@
           <p:nvPr userDrawn="1"/>
         </p:nvPicPr>
         <p:blipFill>
-          <a:blip r:embed="rId7" cstate="print">
+          <a:blip r:embed="rId6" cstate="print">
             <a:extLst>
               <a:ext uri="{28A0092B-C50C-407E-A947-70E740481C1C}">
                 <a14:useLocalDpi xmlns:a14="http://schemas.microsoft.com/office/drawing/2010/main" val="0"/>
@@ -1108,7 +1109,7 @@
           <p:cNvPr id="46" name="Espaço Reservado para Número de Slide 5">
             <a:extLst>
               <a:ext uri="{FF2B5EF4-FFF2-40B4-BE49-F238E27FC236}">
-                <a16:creationId xmlns:a16="http://schemas.microsoft.com/office/drawing/2014/main" xmlns="" id="{7DEE4A19-31F0-48D1-810F-51911047122D}"/>
+                <a16:creationId xmlns:a16="http://schemas.microsoft.com/office/drawing/2014/main" id="{7DEE4A19-31F0-48D1-810F-51911047122D}"/>
               </a:ext>
             </a:extLst>
           </p:cNvPr>
@@ -1209,7 +1210,7 @@
               <a:defRPr/>
             </a:pPr>
             <a:r>
-              <a:rPr lang="en-US" sz="1200" kern="1200" dirty="0" smtClean="0">
+              <a:rPr lang="en-US" sz="1200" kern="1200" dirty="0">
                 <a:solidFill>
                   <a:schemeClr val="accent1"/>
                 </a:solidFill>
@@ -1233,7 +1234,7 @@
   <p:clrMapOvr>
     <a:masterClrMapping/>
   </p:clrMapOvr>
-  <p:extLst mod="1">
+  <p:extLst>
     <p:ext uri="{DCECCB84-F9BA-43D5-87BE-67443E8EF086}">
       <p15:sldGuideLst xmlns:p15="http://schemas.microsoft.com/office/powerpoint/2012/main">
         <p15:guide id="1" orient="horz" pos="2160" userDrawn="1">
@@ -1304,7 +1305,7 @@
           <p:cNvPr id="8" name="Objeto 7" hidden="1">
             <a:extLst>
               <a:ext uri="{FF2B5EF4-FFF2-40B4-BE49-F238E27FC236}">
-                <a16:creationId xmlns:a16="http://schemas.microsoft.com/office/drawing/2014/main" xmlns="" id="{B32220DB-6DC5-4776-BED7-F90822A9F21E}"/>
+                <a16:creationId xmlns:a16="http://schemas.microsoft.com/office/drawing/2014/main" id="{B32220DB-6DC5-4776-BED7-F90822A9F21E}"/>
               </a:ext>
             </a:extLst>
           </p:cNvPr>
@@ -1313,7 +1314,7 @@
           </p:cNvGraphicFramePr>
           <p:nvPr userDrawn="1">
             <p:custDataLst>
-              <p:tags r:id="rId4"/>
+              <p:tags r:id="rId3"/>
             </p:custDataLst>
             <p:extLst>
               <p:ext uri="{D42A27DB-BD31-4B8C-83A1-F6EECF244321}">
@@ -1330,12 +1331,12 @@
           <a:graphicData uri="http://schemas.openxmlformats.org/presentationml/2006/ole">
             <mc:AlternateContent xmlns:mc="http://schemas.openxmlformats.org/markup-compatibility/2006">
               <mc:Choice xmlns:v="urn:schemas-microsoft-com:vml" Requires="v">
-                <p:oleObj spid="_x0000_s1028" name="Slide do think-cell" r:id="rId5" imgW="395" imgH="396" progId="TCLayout.ActiveDocument.1">
+                <p:oleObj name="Slide do think-cell" r:id="rId4" imgW="395" imgH="396" progId="TCLayout.ActiveDocument.1">
                   <p:embed/>
                 </p:oleObj>
               </mc:Choice>
               <mc:Fallback>
-                <p:oleObj name="Slide do think-cell" r:id="rId5" imgW="395" imgH="396" progId="TCLayout.ActiveDocument.1">
+                <p:oleObj name="Slide do think-cell" r:id="rId4" imgW="395" imgH="396" progId="TCLayout.ActiveDocument.1">
                   <p:embed/>
                   <p:pic>
                     <p:nvPicPr>
@@ -1344,7 +1345,7 @@
                       <p:nvPr/>
                     </p:nvPicPr>
                     <p:blipFill>
-                      <a:blip r:embed="rId6"/>
+                      <a:blip r:embed="rId5"/>
                       <a:stretch>
                         <a:fillRect/>
                       </a:stretch>
@@ -1370,7 +1371,7 @@
           <p:cNvPr id="2" name="Espaço Reservado para Título 1">
             <a:extLst>
               <a:ext uri="{FF2B5EF4-FFF2-40B4-BE49-F238E27FC236}">
-                <a16:creationId xmlns:a16="http://schemas.microsoft.com/office/drawing/2014/main" xmlns="" id="{F4A82ECC-059F-4269-984F-F2D08B6424F7}"/>
+                <a16:creationId xmlns:a16="http://schemas.microsoft.com/office/drawing/2014/main" id="{F4A82ECC-059F-4269-984F-F2D08B6424F7}"/>
               </a:ext>
             </a:extLst>
           </p:cNvPr>
@@ -1408,7 +1409,7 @@
           <p:cNvPr id="3" name="Espaço Reservado para Texto 2">
             <a:extLst>
               <a:ext uri="{FF2B5EF4-FFF2-40B4-BE49-F238E27FC236}">
-                <a16:creationId xmlns:a16="http://schemas.microsoft.com/office/drawing/2014/main" xmlns="" id="{903C63B6-1814-4A98-8879-8C5DD8C87521}"/>
+                <a16:creationId xmlns:a16="http://schemas.microsoft.com/office/drawing/2014/main" id="{903C63B6-1814-4A98-8879-8C5DD8C87521}"/>
               </a:ext>
             </a:extLst>
           </p:cNvPr>
@@ -1475,7 +1476,7 @@
           <p:cNvPr id="4" name="Espaço Reservado para Data 3">
             <a:extLst>
               <a:ext uri="{FF2B5EF4-FFF2-40B4-BE49-F238E27FC236}">
-                <a16:creationId xmlns:a16="http://schemas.microsoft.com/office/drawing/2014/main" xmlns="" id="{48A1342B-6405-4F8D-B504-9DB89AD7B16D}"/>
+                <a16:creationId xmlns:a16="http://schemas.microsoft.com/office/drawing/2014/main" id="{48A1342B-6405-4F8D-B504-9DB89AD7B16D}"/>
               </a:ext>
             </a:extLst>
           </p:cNvPr>
@@ -1518,7 +1519,7 @@
           <p:cNvPr id="5" name="Espaço Reservado para Rodapé 4">
             <a:extLst>
               <a:ext uri="{FF2B5EF4-FFF2-40B4-BE49-F238E27FC236}">
-                <a16:creationId xmlns:a16="http://schemas.microsoft.com/office/drawing/2014/main" xmlns="" id="{011F34C0-D96E-4092-8FDF-F11FE5FBA2E3}"/>
+                <a16:creationId xmlns:a16="http://schemas.microsoft.com/office/drawing/2014/main" id="{011F34C0-D96E-4092-8FDF-F11FE5FBA2E3}"/>
               </a:ext>
             </a:extLst>
           </p:cNvPr>
@@ -1561,7 +1562,7 @@
           <p:cNvPr id="6" name="Espaço Reservado para Número de Slide 5">
             <a:extLst>
               <a:ext uri="{FF2B5EF4-FFF2-40B4-BE49-F238E27FC236}">
-                <a16:creationId xmlns:a16="http://schemas.microsoft.com/office/drawing/2014/main" xmlns="" id="{6BA6D5CB-7F34-44D3-8872-5DFDCD31DF37}"/>
+                <a16:creationId xmlns:a16="http://schemas.microsoft.com/office/drawing/2014/main" id="{6BA6D5CB-7F34-44D3-8872-5DFDCD31DF37}"/>
               </a:ext>
             </a:extLst>
           </p:cNvPr>
@@ -1920,7 +1921,7 @@
           <p:cNvPr id="11" name="Objeto 10" hidden="1">
             <a:extLst>
               <a:ext uri="{FF2B5EF4-FFF2-40B4-BE49-F238E27FC236}">
-                <a16:creationId xmlns:a16="http://schemas.microsoft.com/office/drawing/2014/main" xmlns="" id="{E76C80B1-3933-43E8-9678-8166DEEB532D}"/>
+                <a16:creationId xmlns:a16="http://schemas.microsoft.com/office/drawing/2014/main" id="{E76C80B1-3933-43E8-9678-8166DEEB532D}"/>
               </a:ext>
             </a:extLst>
           </p:cNvPr>
@@ -1929,7 +1930,7 @@
           </p:cNvGraphicFramePr>
           <p:nvPr>
             <p:custDataLst>
-              <p:tags r:id="rId2"/>
+              <p:tags r:id="rId1"/>
             </p:custDataLst>
             <p:extLst>
               <p:ext uri="{D42A27DB-BD31-4B8C-83A1-F6EECF244321}">
@@ -1946,12 +1947,1922 @@
           <a:graphicData uri="http://schemas.openxmlformats.org/presentationml/2006/ole">
             <mc:AlternateContent xmlns:mc="http://schemas.openxmlformats.org/markup-compatibility/2006">
               <mc:Choice xmlns:v="urn:schemas-microsoft-com:vml" Requires="v">
-                <p:oleObj spid="_x0000_s3076" name="Slide do think-cell" r:id="rId4" imgW="395" imgH="396" progId="TCLayout.ActiveDocument.1">
+                <p:oleObj name="Slide do think-cell" r:id="rId3" imgW="395" imgH="396" progId="TCLayout.ActiveDocument.1">
                   <p:embed/>
                 </p:oleObj>
               </mc:Choice>
               <mc:Fallback>
-                <p:oleObj name="Slide do think-cell" r:id="rId4" imgW="395" imgH="396" progId="TCLayout.ActiveDocument.1">
+                <p:oleObj name="Slide do think-cell" r:id="rId3" imgW="395" imgH="396" progId="TCLayout.ActiveDocument.1">
+                  <p:embed/>
+                  <p:pic>
+                    <p:nvPicPr>
+                      <p:cNvPr id="0" name=""/>
+                      <p:cNvPicPr/>
+                      <p:nvPr/>
+                    </p:nvPicPr>
+                    <p:blipFill>
+                      <a:blip r:embed="rId4"/>
+                      <a:stretch>
+                        <a:fillRect/>
+                      </a:stretch>
+                    </p:blipFill>
+                    <p:spPr>
+                      <a:xfrm>
+                        <a:off x="1588" y="1588"/>
+                        <a:ext cx="1588" cy="1588"/>
+                      </a:xfrm>
+                      <a:prstGeom prst="rect">
+                        <a:avLst/>
+                      </a:prstGeom>
+                    </p:spPr>
+                  </p:pic>
+                </p:oleObj>
+              </mc:Fallback>
+            </mc:AlternateContent>
+          </a:graphicData>
+        </a:graphic>
+      </p:graphicFrame>
+      <p:sp>
+        <p:nvSpPr>
+          <p:cNvPr id="2" name="Título 1">
+            <a:extLst>
+              <a:ext uri="{FF2B5EF4-FFF2-40B4-BE49-F238E27FC236}">
+                <a16:creationId xmlns:a16="http://schemas.microsoft.com/office/drawing/2014/main" id="{05601675-1D59-4D59-8625-E407938A1625}"/>
+              </a:ext>
+            </a:extLst>
+          </p:cNvPr>
+          <p:cNvSpPr>
+            <a:spLocks noGrp="1"/>
+          </p:cNvSpPr>
+          <p:nvPr>
+            <p:ph type="ctrTitle"/>
+          </p:nvPr>
+        </p:nvSpPr>
+        <p:spPr/>
+        <p:txBody>
+          <a:bodyPr/>
+          <a:lstStyle/>
+          <a:p>
+            <a:endParaRPr lang="en-US" dirty="0"/>
+          </a:p>
+        </p:txBody>
+      </p:sp>
+      <p:sp>
+        <p:nvSpPr>
+          <p:cNvPr id="3" name="Espaço Reservado para Texto 2">
+            <a:extLst>
+              <a:ext uri="{FF2B5EF4-FFF2-40B4-BE49-F238E27FC236}">
+                <a16:creationId xmlns:a16="http://schemas.microsoft.com/office/drawing/2014/main" id="{902C35F6-9D83-4CFE-B37E-C8529A485147}"/>
+              </a:ext>
+            </a:extLst>
+          </p:cNvPr>
+          <p:cNvSpPr>
+            <a:spLocks noGrp="1"/>
+          </p:cNvSpPr>
+          <p:nvPr>
+            <p:ph type="body" sz="quarter" idx="4294967295"/>
+          </p:nvPr>
+        </p:nvSpPr>
+        <p:spPr>
+          <a:xfrm>
+            <a:off x="271667" y="146465"/>
+            <a:ext cx="11648665" cy="318052"/>
+          </a:xfrm>
+        </p:spPr>
+        <p:txBody>
+          <a:bodyPr>
+            <a:normAutofit fontScale="70000" lnSpcReduction="20000"/>
+          </a:bodyPr>
+          <a:lstStyle/>
+          <a:p>
+            <a:endParaRPr lang="en-US" dirty="0"/>
+          </a:p>
+        </p:txBody>
+      </p:sp>
+      <p:sp>
+        <p:nvSpPr>
+          <p:cNvPr id="4" name="Retângulo 3">
+            <a:extLst>
+              <a:ext uri="{FF2B5EF4-FFF2-40B4-BE49-F238E27FC236}">
+                <a16:creationId xmlns:a16="http://schemas.microsoft.com/office/drawing/2014/main" id="{62991C85-5335-4F1C-BE32-4F2F033BAAD0}"/>
+              </a:ext>
+            </a:extLst>
+          </p:cNvPr>
+          <p:cNvSpPr/>
+          <p:nvPr/>
+        </p:nvSpPr>
+        <p:spPr>
+          <a:xfrm>
+            <a:off x="0" y="1"/>
+            <a:ext cx="12192000" cy="6858000"/>
+          </a:xfrm>
+          <a:prstGeom prst="rect">
+            <a:avLst/>
+          </a:prstGeom>
+          <a:solidFill>
+            <a:schemeClr val="bg1"/>
+          </a:solidFill>
+        </p:spPr>
+        <p:style>
+          <a:lnRef idx="2">
+            <a:schemeClr val="accent1">
+              <a:shade val="50000"/>
+            </a:schemeClr>
+          </a:lnRef>
+          <a:fillRef idx="1">
+            <a:schemeClr val="accent1"/>
+          </a:fillRef>
+          <a:effectRef idx="0">
+            <a:schemeClr val="accent1"/>
+          </a:effectRef>
+          <a:fontRef idx="minor">
+            <a:schemeClr val="lt1"/>
+          </a:fontRef>
+        </p:style>
+        <p:txBody>
+          <a:bodyPr rtlCol="0" anchor="ctr"/>
+          <a:lstStyle/>
+          <a:p>
+            <a:endParaRPr lang="pt-BR" sz="1800" b="1" dirty="0">
+              <a:solidFill>
+                <a:schemeClr val="tx1">
+                  <a:lumMod val="50000"/>
+                </a:schemeClr>
+              </a:solidFill>
+              <a:latin typeface="Arial" panose="020B0604020202020204" pitchFamily="34" charset="0"/>
+              <a:cs typeface="Arial" panose="020B0604020202020204" pitchFamily="34" charset="0"/>
+            </a:endParaRPr>
+          </a:p>
+        </p:txBody>
+      </p:sp>
+      <p:sp>
+        <p:nvSpPr>
+          <p:cNvPr id="5" name="CaixaDeTexto 4">
+            <a:extLst>
+              <a:ext uri="{FF2B5EF4-FFF2-40B4-BE49-F238E27FC236}">
+                <a16:creationId xmlns:a16="http://schemas.microsoft.com/office/drawing/2014/main" id="{3624E86A-C69E-46D7-A612-797856457E50}"/>
+              </a:ext>
+            </a:extLst>
+          </p:cNvPr>
+          <p:cNvSpPr txBox="1"/>
+          <p:nvPr/>
+        </p:nvSpPr>
+        <p:spPr>
+          <a:xfrm>
+            <a:off x="346308" y="2192239"/>
+            <a:ext cx="3130409" cy="1231106"/>
+          </a:xfrm>
+          <a:prstGeom prst="rect">
+            <a:avLst/>
+          </a:prstGeom>
+          <a:noFill/>
+        </p:spPr>
+        <p:txBody>
+          <a:bodyPr wrap="none" lIns="0" tIns="0" rIns="0" bIns="0" rtlCol="0">
+            <a:spAutoFit/>
+          </a:bodyPr>
+          <a:lstStyle/>
+          <a:p>
+            <a:r>
+              <a:rPr lang="pt-BR" sz="1600" dirty="0">
+                <a:latin typeface="Arial" panose="020B0604020202020204" pitchFamily="34" charset="0"/>
+                <a:cs typeface="Arial" panose="020B0604020202020204" pitchFamily="34" charset="0"/>
+              </a:rPr>
+              <a:t>Aluno: Filipe Soares, 10774009</a:t>
+            </a:r>
+          </a:p>
+          <a:p>
+            <a:r>
+              <a:rPr lang="pt-BR" sz="1600" dirty="0">
+                <a:latin typeface="Arial" panose="020B0604020202020204" pitchFamily="34" charset="0"/>
+                <a:cs typeface="Arial" panose="020B0604020202020204" pitchFamily="34" charset="0"/>
+              </a:rPr>
+              <a:t>Orientador: Prof. Dr. Arthur Jordão</a:t>
+            </a:r>
+          </a:p>
+          <a:p>
+            <a:r>
+              <a:rPr lang="pt-BR" sz="1600" dirty="0">
+                <a:latin typeface="Arial" panose="020B0604020202020204" pitchFamily="34" charset="0"/>
+                <a:cs typeface="Arial" panose="020B0604020202020204" pitchFamily="34" charset="0"/>
+              </a:rPr>
+              <a:t>Engenharia de Computação</a:t>
+            </a:r>
+          </a:p>
+          <a:p>
+            <a:r>
+              <a:rPr lang="pt-BR" sz="1600" dirty="0" err="1">
+                <a:latin typeface="Arial" panose="020B0604020202020204" pitchFamily="34" charset="0"/>
+                <a:cs typeface="Arial" panose="020B0604020202020204" pitchFamily="34" charset="0"/>
+              </a:rPr>
+              <a:t>Poli-USP</a:t>
+            </a:r>
+            <a:endParaRPr lang="pt-BR" sz="1600" dirty="0">
+              <a:latin typeface="Arial" panose="020B0604020202020204" pitchFamily="34" charset="0"/>
+              <a:cs typeface="Arial" panose="020B0604020202020204" pitchFamily="34" charset="0"/>
+            </a:endParaRPr>
+          </a:p>
+          <a:p>
+            <a:r>
+              <a:rPr lang="pt-BR" sz="1600" dirty="0">
+                <a:latin typeface="Arial" panose="020B0604020202020204" pitchFamily="34" charset="0"/>
+                <a:cs typeface="Arial" panose="020B0604020202020204" pitchFamily="34" charset="0"/>
+              </a:rPr>
+              <a:t>16 de outubro de 2023</a:t>
+            </a:r>
+          </a:p>
+        </p:txBody>
+      </p:sp>
+      <p:cxnSp>
+        <p:nvCxnSpPr>
+          <p:cNvPr id="6" name="Conector reto 5">
+            <a:extLst>
+              <a:ext uri="{FF2B5EF4-FFF2-40B4-BE49-F238E27FC236}">
+                <a16:creationId xmlns:a16="http://schemas.microsoft.com/office/drawing/2014/main" id="{69A0F705-5756-4F50-9290-15A9C22B8818}"/>
+              </a:ext>
+            </a:extLst>
+          </p:cNvPr>
+          <p:cNvCxnSpPr>
+            <a:cxnSpLocks/>
+          </p:cNvCxnSpPr>
+          <p:nvPr/>
+        </p:nvCxnSpPr>
+        <p:spPr>
+          <a:xfrm>
+            <a:off x="-280219" y="4681444"/>
+            <a:ext cx="12200551" cy="0"/>
+          </a:xfrm>
+          <a:prstGeom prst="line">
+            <a:avLst/>
+          </a:prstGeom>
+          <a:ln w="28575"/>
+        </p:spPr>
+        <p:style>
+          <a:lnRef idx="1">
+            <a:schemeClr val="accent1"/>
+          </a:lnRef>
+          <a:fillRef idx="0">
+            <a:schemeClr val="accent1"/>
+          </a:fillRef>
+          <a:effectRef idx="0">
+            <a:schemeClr val="accent1"/>
+          </a:effectRef>
+          <a:fontRef idx="minor">
+            <a:schemeClr val="tx1"/>
+          </a:fontRef>
+        </p:style>
+      </p:cxnSp>
+      <p:sp>
+        <p:nvSpPr>
+          <p:cNvPr id="7" name="CaixaDeTexto 6">
+            <a:extLst>
+              <a:ext uri="{FF2B5EF4-FFF2-40B4-BE49-F238E27FC236}">
+                <a16:creationId xmlns:a16="http://schemas.microsoft.com/office/drawing/2014/main" id="{F957B334-54D5-43D9-A88F-20B6EE525C2A}"/>
+              </a:ext>
+            </a:extLst>
+          </p:cNvPr>
+          <p:cNvSpPr txBox="1"/>
+          <p:nvPr/>
+        </p:nvSpPr>
+        <p:spPr>
+          <a:xfrm>
+            <a:off x="362039" y="1130974"/>
+            <a:ext cx="10416611" cy="369332"/>
+          </a:xfrm>
+          <a:prstGeom prst="rect">
+            <a:avLst/>
+          </a:prstGeom>
+          <a:noFill/>
+        </p:spPr>
+        <p:txBody>
+          <a:bodyPr wrap="square" lIns="0" tIns="0" rIns="0" bIns="0">
+            <a:spAutoFit/>
+          </a:bodyPr>
+          <a:lstStyle/>
+          <a:p>
+            <a:r>
+              <a:rPr lang="pt-BR" sz="2400" b="1" dirty="0">
+                <a:solidFill>
+                  <a:schemeClr val="tx1">
+                    <a:lumMod val="50000"/>
+                  </a:schemeClr>
+                </a:solidFill>
+                <a:latin typeface="Arial" panose="020B0604020202020204" pitchFamily="34" charset="0"/>
+                <a:cs typeface="Arial" panose="020B0604020202020204" pitchFamily="34" charset="0"/>
+              </a:rPr>
+              <a:t>Apresentação da Evolução do Projeto de Formatura (1)</a:t>
+            </a:r>
+          </a:p>
+        </p:txBody>
+      </p:sp>
+      <p:pic>
+        <p:nvPicPr>
+          <p:cNvPr id="8" name="Picture 2" descr="Mais Notícias… – Página: 2 – PCS">
+            <a:extLst>
+              <a:ext uri="{FF2B5EF4-FFF2-40B4-BE49-F238E27FC236}">
+                <a16:creationId xmlns:a16="http://schemas.microsoft.com/office/drawing/2014/main" id="{5DE9A16D-4D9D-460C-ACAE-B4BB5BDB498A}"/>
+              </a:ext>
+            </a:extLst>
+          </p:cNvPr>
+          <p:cNvPicPr>
+            <a:picLocks noChangeAspect="1" noChangeArrowheads="1"/>
+          </p:cNvPicPr>
+          <p:nvPr/>
+        </p:nvPicPr>
+        <p:blipFill>
+          <a:blip r:embed="rId5" cstate="print">
+            <a:extLst>
+              <a:ext uri="{28A0092B-C50C-407E-A947-70E740481C1C}">
+                <a14:useLocalDpi xmlns:a14="http://schemas.microsoft.com/office/drawing/2010/main" val="0"/>
+              </a:ext>
+            </a:extLst>
+          </a:blip>
+          <a:srcRect/>
+          <a:stretch>
+            <a:fillRect/>
+          </a:stretch>
+        </p:blipFill>
+        <p:spPr bwMode="auto">
+          <a:xfrm>
+            <a:off x="10671207" y="4842914"/>
+            <a:ext cx="1111573" cy="523221"/>
+          </a:xfrm>
+          <a:prstGeom prst="rect">
+            <a:avLst/>
+          </a:prstGeom>
+          <a:noFill/>
+          <a:extLst>
+            <a:ext uri="{909E8E84-426E-40DD-AFC4-6F175D3DCCD1}">
+              <a14:hiddenFill xmlns:a14="http://schemas.microsoft.com/office/drawing/2010/main">
+                <a:solidFill>
+                  <a:srgbClr val="FFFFFF"/>
+                </a:solidFill>
+              </a14:hiddenFill>
+            </a:ext>
+          </a:extLst>
+        </p:spPr>
+      </p:pic>
+      <p:pic>
+        <p:nvPicPr>
+          <p:cNvPr id="9" name="Picture 2" descr="Identidade visual da Escola Politécnica da USP – ESCOLA POLITÉCNICA">
+            <a:extLst>
+              <a:ext uri="{FF2B5EF4-FFF2-40B4-BE49-F238E27FC236}">
+                <a16:creationId xmlns:a16="http://schemas.microsoft.com/office/drawing/2014/main" id="{DEF4FBC4-C16C-4137-A68A-0250A41CC5FA}"/>
+              </a:ext>
+            </a:extLst>
+          </p:cNvPr>
+          <p:cNvPicPr>
+            <a:picLocks noChangeAspect="1" noChangeArrowheads="1"/>
+          </p:cNvPicPr>
+          <p:nvPr/>
+        </p:nvPicPr>
+        <p:blipFill>
+          <a:blip r:embed="rId6" cstate="print">
+            <a:extLst>
+              <a:ext uri="{28A0092B-C50C-407E-A947-70E740481C1C}">
+                <a14:useLocalDpi xmlns:a14="http://schemas.microsoft.com/office/drawing/2010/main" val="0"/>
+              </a:ext>
+            </a:extLst>
+          </a:blip>
+          <a:srcRect/>
+          <a:stretch>
+            <a:fillRect/>
+          </a:stretch>
+        </p:blipFill>
+        <p:spPr bwMode="auto">
+          <a:xfrm>
+            <a:off x="9062716" y="4974998"/>
+            <a:ext cx="1444814" cy="259050"/>
+          </a:xfrm>
+          <a:prstGeom prst="rect">
+            <a:avLst/>
+          </a:prstGeom>
+          <a:noFill/>
+          <a:extLst>
+            <a:ext uri="{909E8E84-426E-40DD-AFC4-6F175D3DCCD1}">
+              <a14:hiddenFill xmlns:a14="http://schemas.microsoft.com/office/drawing/2010/main">
+                <a:solidFill>
+                  <a:srgbClr val="FFFFFF"/>
+                </a:solidFill>
+              </a14:hiddenFill>
+            </a:ext>
+          </a:extLst>
+        </p:spPr>
+      </p:pic>
+    </p:spTree>
+    <p:extLst>
+      <p:ext uri="{BB962C8B-B14F-4D97-AF65-F5344CB8AC3E}">
+        <p14:creationId xmlns:p14="http://schemas.microsoft.com/office/powerpoint/2010/main" val="2060428054"/>
+      </p:ext>
+    </p:extLst>
+  </p:cSld>
+  <p:clrMapOvr>
+    <a:masterClrMapping/>
+  </p:clrMapOvr>
+</p:sld>
+</file>
+
+<file path=ppt/slides/slide2.xml><?xml version="1.0" encoding="utf-8"?>
+<p:sld xmlns:a="http://schemas.openxmlformats.org/drawingml/2006/main" xmlns:r="http://schemas.openxmlformats.org/officeDocument/2006/relationships" xmlns:p="http://schemas.openxmlformats.org/presentationml/2006/main">
+  <p:cSld>
+    <p:spTree>
+      <p:nvGrpSpPr>
+        <p:cNvPr id="1" name=""/>
+        <p:cNvGrpSpPr/>
+        <p:nvPr/>
+      </p:nvGrpSpPr>
+      <p:grpSpPr>
+        <a:xfrm>
+          <a:off x="0" y="0"/>
+          <a:ext cx="0" cy="0"/>
+          <a:chOff x="0" y="0"/>
+          <a:chExt cx="0" cy="0"/>
+        </a:xfrm>
+      </p:grpSpPr>
+      <p:graphicFrame>
+        <p:nvGraphicFramePr>
+          <p:cNvPr id="7" name="think-cell data - do not delete" hidden="1">
+            <a:extLst>
+              <a:ext uri="{FF2B5EF4-FFF2-40B4-BE49-F238E27FC236}">
+                <a16:creationId xmlns:a16="http://schemas.microsoft.com/office/drawing/2014/main" id="{94F8F980-38FE-EA09-B6E6-F3E3E9D84F65}"/>
+              </a:ext>
+            </a:extLst>
+          </p:cNvPr>
+          <p:cNvGraphicFramePr>
+            <a:graphicFrameLocks noChangeAspect="1"/>
+          </p:cNvGraphicFramePr>
+          <p:nvPr>
+            <p:custDataLst>
+              <p:tags r:id="rId1"/>
+            </p:custDataLst>
+            <p:extLst>
+              <p:ext uri="{D42A27DB-BD31-4B8C-83A1-F6EECF244321}">
+                <p14:modId xmlns:p14="http://schemas.microsoft.com/office/powerpoint/2010/main" val="2215620155"/>
+              </p:ext>
+            </p:extLst>
+          </p:nvPr>
+        </p:nvGraphicFramePr>
+        <p:xfrm>
+          <a:off x="1588" y="1588"/>
+          <a:ext cx="1588" cy="1588"/>
+        </p:xfrm>
+        <a:graphic>
+          <a:graphicData uri="http://schemas.openxmlformats.org/presentationml/2006/ole">
+            <mc:AlternateContent xmlns:mc="http://schemas.openxmlformats.org/markup-compatibility/2006">
+              <mc:Choice xmlns:v="urn:schemas-microsoft-com:vml" Requires="v">
+                <p:oleObj name="Slide do think-cell" r:id="rId3" imgW="473" imgH="476" progId="TCLayout.ActiveDocument.1">
+                  <p:embed/>
+                </p:oleObj>
+              </mc:Choice>
+              <mc:Fallback>
+                <p:oleObj name="Slide do think-cell" r:id="rId3" imgW="473" imgH="476" progId="TCLayout.ActiveDocument.1">
+                  <p:embed/>
+                  <p:pic>
+                    <p:nvPicPr>
+                      <p:cNvPr id="0" name=""/>
+                      <p:cNvPicPr/>
+                      <p:nvPr/>
+                    </p:nvPicPr>
+                    <p:blipFill>
+                      <a:blip r:embed="rId4"/>
+                      <a:stretch>
+                        <a:fillRect/>
+                      </a:stretch>
+                    </p:blipFill>
+                    <p:spPr>
+                      <a:xfrm>
+                        <a:off x="1588" y="1588"/>
+                        <a:ext cx="1588" cy="1588"/>
+                      </a:xfrm>
+                      <a:prstGeom prst="rect">
+                        <a:avLst/>
+                      </a:prstGeom>
+                    </p:spPr>
+                  </p:pic>
+                </p:oleObj>
+              </mc:Fallback>
+            </mc:AlternateContent>
+          </a:graphicData>
+        </a:graphic>
+      </p:graphicFrame>
+      <p:sp>
+        <p:nvSpPr>
+          <p:cNvPr id="2" name="Título 1">
+            <a:extLst>
+              <a:ext uri="{FF2B5EF4-FFF2-40B4-BE49-F238E27FC236}">
+                <a16:creationId xmlns:a16="http://schemas.microsoft.com/office/drawing/2014/main" id="{753B58ED-97F5-4780-064A-D2F25EC01F0C}"/>
+              </a:ext>
+            </a:extLst>
+          </p:cNvPr>
+          <p:cNvSpPr>
+            <a:spLocks noGrp="1"/>
+          </p:cNvSpPr>
+          <p:nvPr>
+            <p:ph type="ctrTitle"/>
+          </p:nvPr>
+        </p:nvSpPr>
+        <p:spPr/>
+        <p:txBody>
+          <a:bodyPr vert="horz"/>
+          <a:lstStyle/>
+          <a:p>
+            <a:r>
+              <a:rPr lang="pt-BR" b="0" i="0" dirty="0">
+                <a:effectLst/>
+                <a:latin typeface="Arial" panose="020B0604020202020204" pitchFamily="34" charset="0"/>
+              </a:rPr>
+              <a:t>O estudo da mortalidade é um recurso importante para a criação e orientação de políticas públicas</a:t>
+            </a:r>
+            <a:endParaRPr lang="pt-BR" dirty="0"/>
+          </a:p>
+        </p:txBody>
+      </p:sp>
+      <p:sp>
+        <p:nvSpPr>
+          <p:cNvPr id="3" name="Espaço Reservado para Número de Slide 2">
+            <a:extLst>
+              <a:ext uri="{FF2B5EF4-FFF2-40B4-BE49-F238E27FC236}">
+                <a16:creationId xmlns:a16="http://schemas.microsoft.com/office/drawing/2014/main" id="{B8F6E19E-EB1B-4B24-BF4A-4DCBB005EB20}"/>
+              </a:ext>
+            </a:extLst>
+          </p:cNvPr>
+          <p:cNvSpPr>
+            <a:spLocks noGrp="1"/>
+          </p:cNvSpPr>
+          <p:nvPr>
+            <p:ph type="sldNum" sz="quarter" idx="4"/>
+          </p:nvPr>
+        </p:nvSpPr>
+        <p:spPr/>
+        <p:txBody>
+          <a:bodyPr/>
+          <a:lstStyle/>
+          <a:p>
+            <a:fld id="{BA9E32BD-B201-4C38-96C4-D961A395C03A}" type="slidenum">
+              <a:rPr lang="pt-BR" smtClean="0"/>
+              <a:pPr/>
+              <a:t>2</a:t>
+            </a:fld>
+            <a:endParaRPr lang="pt-BR" dirty="0"/>
+          </a:p>
+        </p:txBody>
+      </p:sp>
+      <p:sp>
+        <p:nvSpPr>
+          <p:cNvPr id="5" name="Espaço Reservado para Conteúdo 3">
+            <a:extLst>
+              <a:ext uri="{FF2B5EF4-FFF2-40B4-BE49-F238E27FC236}">
+                <a16:creationId xmlns:a16="http://schemas.microsoft.com/office/drawing/2014/main" id="{199862B6-7EB9-601B-C50D-9F68C5C3B1B4}"/>
+              </a:ext>
+            </a:extLst>
+          </p:cNvPr>
+          <p:cNvSpPr>
+            <a:spLocks noGrp="1"/>
+          </p:cNvSpPr>
+          <p:nvPr>
+            <p:ph sz="quarter" idx="10"/>
+          </p:nvPr>
+        </p:nvSpPr>
+        <p:spPr>
+          <a:xfrm>
+            <a:off x="271667" y="247534"/>
+            <a:ext cx="4873958" cy="226299"/>
+          </a:xfrm>
+        </p:spPr>
+        <p:txBody>
+          <a:bodyPr>
+            <a:normAutofit fontScale="40000" lnSpcReduction="20000"/>
+          </a:bodyPr>
+          <a:lstStyle/>
+          <a:p>
+            <a:r>
+              <a:rPr lang="pt-BR" dirty="0"/>
+              <a:t>Motivação </a:t>
+            </a:r>
+            <a:endParaRPr lang="en-US" dirty="0"/>
+          </a:p>
+        </p:txBody>
+      </p:sp>
+      <p:pic>
+        <p:nvPicPr>
+          <p:cNvPr id="11" name="Gráfico 10" descr="Dólar com preenchimento sólido">
+            <a:extLst>
+              <a:ext uri="{FF2B5EF4-FFF2-40B4-BE49-F238E27FC236}">
+                <a16:creationId xmlns:a16="http://schemas.microsoft.com/office/drawing/2014/main" id="{5D8C69CD-A766-AD98-9AF1-4C8848800502}"/>
+              </a:ext>
+            </a:extLst>
+          </p:cNvPr>
+          <p:cNvPicPr>
+            <a:picLocks noChangeAspect="1"/>
+          </p:cNvPicPr>
+          <p:nvPr/>
+        </p:nvPicPr>
+        <p:blipFill>
+          <a:blip r:embed="rId5">
+            <a:extLst>
+              <a:ext uri="{28A0092B-C50C-407E-A947-70E740481C1C}">
+                <a14:useLocalDpi xmlns:a14="http://schemas.microsoft.com/office/drawing/2010/main" val="0"/>
+              </a:ext>
+              <a:ext uri="{96DAC541-7B7A-43D3-8B79-37D633B846F1}">
+                <asvg:svgBlip xmlns:asvg="http://schemas.microsoft.com/office/drawing/2016/SVG/main" r:embed="rId6"/>
+              </a:ext>
+            </a:extLst>
+          </a:blip>
+          <a:stretch>
+            <a:fillRect/>
+          </a:stretch>
+        </p:blipFill>
+        <p:spPr>
+          <a:xfrm>
+            <a:off x="4204327" y="1730181"/>
+            <a:ext cx="589907" cy="589907"/>
+          </a:xfrm>
+          <a:prstGeom prst="rect">
+            <a:avLst/>
+          </a:prstGeom>
+        </p:spPr>
+      </p:pic>
+      <p:pic>
+        <p:nvPicPr>
+          <p:cNvPr id="13" name="Gráfico 12" descr="Família com menina com preenchimento sólido">
+            <a:extLst>
+              <a:ext uri="{FF2B5EF4-FFF2-40B4-BE49-F238E27FC236}">
+                <a16:creationId xmlns:a16="http://schemas.microsoft.com/office/drawing/2014/main" id="{4C6FBF26-CA4D-74C4-72B1-C22BBCDFE87C}"/>
+              </a:ext>
+            </a:extLst>
+          </p:cNvPr>
+          <p:cNvPicPr>
+            <a:picLocks noChangeAspect="1"/>
+          </p:cNvPicPr>
+          <p:nvPr/>
+        </p:nvPicPr>
+        <p:blipFill>
+          <a:blip r:embed="rId7">
+            <a:extLst>
+              <a:ext uri="{28A0092B-C50C-407E-A947-70E740481C1C}">
+                <a14:useLocalDpi xmlns:a14="http://schemas.microsoft.com/office/drawing/2010/main" val="0"/>
+              </a:ext>
+              <a:ext uri="{96DAC541-7B7A-43D3-8B79-37D633B846F1}">
+                <asvg:svgBlip xmlns:asvg="http://schemas.microsoft.com/office/drawing/2016/SVG/main" r:embed="rId8"/>
+              </a:ext>
+            </a:extLst>
+          </a:blip>
+          <a:stretch>
+            <a:fillRect/>
+          </a:stretch>
+        </p:blipFill>
+        <p:spPr>
+          <a:xfrm>
+            <a:off x="3102733" y="1687634"/>
+            <a:ext cx="697659" cy="697659"/>
+          </a:xfrm>
+          <a:prstGeom prst="rect">
+            <a:avLst/>
+          </a:prstGeom>
+        </p:spPr>
+      </p:pic>
+      <p:sp>
+        <p:nvSpPr>
+          <p:cNvPr id="14" name="CaixaDeTexto 13">
+            <a:extLst>
+              <a:ext uri="{FF2B5EF4-FFF2-40B4-BE49-F238E27FC236}">
+                <a16:creationId xmlns:a16="http://schemas.microsoft.com/office/drawing/2014/main" id="{2B25519F-CADC-FFA6-E027-60B6A830F945}"/>
+              </a:ext>
+            </a:extLst>
+          </p:cNvPr>
+          <p:cNvSpPr txBox="1"/>
+          <p:nvPr/>
+        </p:nvSpPr>
+        <p:spPr>
+          <a:xfrm>
+            <a:off x="3961069" y="2503217"/>
+            <a:ext cx="1135185" cy="461665"/>
+          </a:xfrm>
+          <a:prstGeom prst="rect">
+            <a:avLst/>
+          </a:prstGeom>
+          <a:noFill/>
+        </p:spPr>
+        <p:txBody>
+          <a:bodyPr wrap="square" rtlCol="0">
+            <a:spAutoFit/>
+          </a:bodyPr>
+          <a:lstStyle/>
+          <a:p>
+            <a:r>
+              <a:rPr lang="pt-BR" sz="1200" dirty="0"/>
+              <a:t>Condições econômicas</a:t>
+            </a:r>
+          </a:p>
+        </p:txBody>
+      </p:sp>
+      <p:sp>
+        <p:nvSpPr>
+          <p:cNvPr id="15" name="CaixaDeTexto 14">
+            <a:extLst>
+              <a:ext uri="{FF2B5EF4-FFF2-40B4-BE49-F238E27FC236}">
+                <a16:creationId xmlns:a16="http://schemas.microsoft.com/office/drawing/2014/main" id="{C7636199-3F3A-662E-EC07-F742DC260797}"/>
+              </a:ext>
+            </a:extLst>
+          </p:cNvPr>
+          <p:cNvSpPr txBox="1"/>
+          <p:nvPr/>
+        </p:nvSpPr>
+        <p:spPr>
+          <a:xfrm>
+            <a:off x="3102733" y="2576399"/>
+            <a:ext cx="688009" cy="276999"/>
+          </a:xfrm>
+          <a:prstGeom prst="rect">
+            <a:avLst/>
+          </a:prstGeom>
+          <a:noFill/>
+        </p:spPr>
+        <p:txBody>
+          <a:bodyPr wrap="none" rtlCol="0">
+            <a:spAutoFit/>
+          </a:bodyPr>
+          <a:lstStyle/>
+          <a:p>
+            <a:r>
+              <a:rPr lang="pt-BR" sz="1200" dirty="0"/>
+              <a:t>Família</a:t>
+            </a:r>
+          </a:p>
+        </p:txBody>
+      </p:sp>
+      <p:sp>
+        <p:nvSpPr>
+          <p:cNvPr id="16" name="CaixaDeTexto 15">
+            <a:extLst>
+              <a:ext uri="{FF2B5EF4-FFF2-40B4-BE49-F238E27FC236}">
+                <a16:creationId xmlns:a16="http://schemas.microsoft.com/office/drawing/2014/main" id="{75C07B7D-4FEC-2C81-7984-4CD41CD205F0}"/>
+              </a:ext>
+            </a:extLst>
+          </p:cNvPr>
+          <p:cNvSpPr txBox="1"/>
+          <p:nvPr/>
+        </p:nvSpPr>
+        <p:spPr>
+          <a:xfrm>
+            <a:off x="2084904" y="2574555"/>
+            <a:ext cx="847502" cy="278843"/>
+          </a:xfrm>
+          <a:prstGeom prst="rect">
+            <a:avLst/>
+          </a:prstGeom>
+          <a:noFill/>
+        </p:spPr>
+        <p:txBody>
+          <a:bodyPr wrap="square" rtlCol="0">
+            <a:spAutoFit/>
+          </a:bodyPr>
+          <a:lstStyle/>
+          <a:p>
+            <a:r>
+              <a:rPr lang="pt-BR" sz="1200" dirty="0"/>
+              <a:t>Gestação</a:t>
+            </a:r>
+          </a:p>
+        </p:txBody>
+      </p:sp>
+      <p:sp>
+        <p:nvSpPr>
+          <p:cNvPr id="17" name="CaixaDeTexto 16">
+            <a:extLst>
+              <a:ext uri="{FF2B5EF4-FFF2-40B4-BE49-F238E27FC236}">
+                <a16:creationId xmlns:a16="http://schemas.microsoft.com/office/drawing/2014/main" id="{2BC81681-2CBC-8691-3EA9-FB439DF4C3CE}"/>
+              </a:ext>
+            </a:extLst>
+          </p:cNvPr>
+          <p:cNvSpPr txBox="1"/>
+          <p:nvPr/>
+        </p:nvSpPr>
+        <p:spPr>
+          <a:xfrm>
+            <a:off x="1133719" y="2574555"/>
+            <a:ext cx="865943" cy="276999"/>
+          </a:xfrm>
+          <a:prstGeom prst="rect">
+            <a:avLst/>
+          </a:prstGeom>
+          <a:noFill/>
+        </p:spPr>
+        <p:txBody>
+          <a:bodyPr wrap="none" rtlCol="0">
+            <a:spAutoFit/>
+          </a:bodyPr>
+          <a:lstStyle/>
+          <a:p>
+            <a:r>
+              <a:rPr lang="pt-BR" sz="1200" dirty="0"/>
+              <a:t>Educação</a:t>
+            </a:r>
+          </a:p>
+        </p:txBody>
+      </p:sp>
+      <p:pic>
+        <p:nvPicPr>
+          <p:cNvPr id="19" name="Gráfico 18" descr="Moça grávida com preenchimento sólido">
+            <a:extLst>
+              <a:ext uri="{FF2B5EF4-FFF2-40B4-BE49-F238E27FC236}">
+                <a16:creationId xmlns:a16="http://schemas.microsoft.com/office/drawing/2014/main" id="{193041CC-BB5F-F1EA-4F24-759661E99F1A}"/>
+              </a:ext>
+            </a:extLst>
+          </p:cNvPr>
+          <p:cNvPicPr>
+            <a:picLocks noChangeAspect="1"/>
+          </p:cNvPicPr>
+          <p:nvPr/>
+        </p:nvPicPr>
+        <p:blipFill>
+          <a:blip r:embed="rId9">
+            <a:extLst>
+              <a:ext uri="{28A0092B-C50C-407E-A947-70E740481C1C}">
+                <a14:useLocalDpi xmlns:a14="http://schemas.microsoft.com/office/drawing/2010/main" val="0"/>
+              </a:ext>
+              <a:ext uri="{96DAC541-7B7A-43D3-8B79-37D633B846F1}">
+                <asvg:svgBlip xmlns:asvg="http://schemas.microsoft.com/office/drawing/2016/SVG/main" r:embed="rId10"/>
+              </a:ext>
+            </a:extLst>
+          </a:blip>
+          <a:stretch>
+            <a:fillRect/>
+          </a:stretch>
+        </p:blipFill>
+        <p:spPr>
+          <a:xfrm>
+            <a:off x="2117098" y="1700259"/>
+            <a:ext cx="702304" cy="702304"/>
+          </a:xfrm>
+          <a:prstGeom prst="rect">
+            <a:avLst/>
+          </a:prstGeom>
+        </p:spPr>
+      </p:pic>
+      <p:pic>
+        <p:nvPicPr>
+          <p:cNvPr id="21" name="Gráfico 20" descr="Livros com preenchimento sólido">
+            <a:extLst>
+              <a:ext uri="{FF2B5EF4-FFF2-40B4-BE49-F238E27FC236}">
+                <a16:creationId xmlns:a16="http://schemas.microsoft.com/office/drawing/2014/main" id="{581B993A-3E32-28D6-1DB3-5A7EF3E3E8C7}"/>
+              </a:ext>
+            </a:extLst>
+          </p:cNvPr>
+          <p:cNvPicPr>
+            <a:picLocks noChangeAspect="1"/>
+          </p:cNvPicPr>
+          <p:nvPr/>
+        </p:nvPicPr>
+        <p:blipFill>
+          <a:blip r:embed="rId11">
+            <a:extLst>
+              <a:ext uri="{28A0092B-C50C-407E-A947-70E740481C1C}">
+                <a14:useLocalDpi xmlns:a14="http://schemas.microsoft.com/office/drawing/2010/main" val="0"/>
+              </a:ext>
+              <a:ext uri="{96DAC541-7B7A-43D3-8B79-37D633B846F1}">
+                <asvg:svgBlip xmlns:asvg="http://schemas.microsoft.com/office/drawing/2016/SVG/main" r:embed="rId12"/>
+              </a:ext>
+            </a:extLst>
+          </a:blip>
+          <a:stretch>
+            <a:fillRect/>
+          </a:stretch>
+        </p:blipFill>
+        <p:spPr>
+          <a:xfrm>
+            <a:off x="1404482" y="1728251"/>
+            <a:ext cx="477184" cy="477184"/>
+          </a:xfrm>
+          <a:prstGeom prst="rect">
+            <a:avLst/>
+          </a:prstGeom>
+        </p:spPr>
+      </p:pic>
+      <p:pic>
+        <p:nvPicPr>
+          <p:cNvPr id="23" name="Gráfico 22" descr="Homem com preenchimento sólido">
+            <a:extLst>
+              <a:ext uri="{FF2B5EF4-FFF2-40B4-BE49-F238E27FC236}">
+                <a16:creationId xmlns:a16="http://schemas.microsoft.com/office/drawing/2014/main" id="{A961C907-8003-DA76-BEF3-1E1B9C638BEC}"/>
+              </a:ext>
+            </a:extLst>
+          </p:cNvPr>
+          <p:cNvPicPr>
+            <a:picLocks noChangeAspect="1"/>
+          </p:cNvPicPr>
+          <p:nvPr/>
+        </p:nvPicPr>
+        <p:blipFill>
+          <a:blip r:embed="rId13">
+            <a:extLst>
+              <a:ext uri="{28A0092B-C50C-407E-A947-70E740481C1C}">
+                <a14:useLocalDpi xmlns:a14="http://schemas.microsoft.com/office/drawing/2010/main" val="0"/>
+              </a:ext>
+              <a:ext uri="{96DAC541-7B7A-43D3-8B79-37D633B846F1}">
+                <asvg:svgBlip xmlns:asvg="http://schemas.microsoft.com/office/drawing/2016/SVG/main" r:embed="rId14"/>
+              </a:ext>
+            </a:extLst>
+          </a:blip>
+          <a:stretch>
+            <a:fillRect/>
+          </a:stretch>
+        </p:blipFill>
+        <p:spPr>
+          <a:xfrm>
+            <a:off x="2382749" y="3851988"/>
+            <a:ext cx="1667069" cy="1667069"/>
+          </a:xfrm>
+          <a:prstGeom prst="rect">
+            <a:avLst/>
+          </a:prstGeom>
+        </p:spPr>
+      </p:pic>
+      <p:pic>
+        <p:nvPicPr>
+          <p:cNvPr id="30" name="Gráfico 29" descr="Médico com preenchimento sólido">
+            <a:extLst>
+              <a:ext uri="{FF2B5EF4-FFF2-40B4-BE49-F238E27FC236}">
+                <a16:creationId xmlns:a16="http://schemas.microsoft.com/office/drawing/2014/main" id="{4B3C31C5-1EEC-1079-FA90-68114A0A907F}"/>
+              </a:ext>
+            </a:extLst>
+          </p:cNvPr>
+          <p:cNvPicPr>
+            <a:picLocks noChangeAspect="1"/>
+          </p:cNvPicPr>
+          <p:nvPr/>
+        </p:nvPicPr>
+        <p:blipFill>
+          <a:blip r:embed="rId15">
+            <a:extLst>
+              <a:ext uri="{28A0092B-C50C-407E-A947-70E740481C1C}">
+                <a14:useLocalDpi xmlns:a14="http://schemas.microsoft.com/office/drawing/2010/main" val="0"/>
+              </a:ext>
+              <a:ext uri="{96DAC541-7B7A-43D3-8B79-37D633B846F1}">
+                <asvg:svgBlip xmlns:asvg="http://schemas.microsoft.com/office/drawing/2016/SVG/main" r:embed="rId16"/>
+              </a:ext>
+            </a:extLst>
+          </a:blip>
+          <a:stretch>
+            <a:fillRect/>
+          </a:stretch>
+        </p:blipFill>
+        <p:spPr>
+          <a:xfrm>
+            <a:off x="5989422" y="4057261"/>
+            <a:ext cx="1256523" cy="1256523"/>
+          </a:xfrm>
+          <a:prstGeom prst="rect">
+            <a:avLst/>
+          </a:prstGeom>
+        </p:spPr>
+      </p:pic>
+      <p:sp>
+        <p:nvSpPr>
+          <p:cNvPr id="34" name="CaixaDeTexto 33">
+            <a:extLst>
+              <a:ext uri="{FF2B5EF4-FFF2-40B4-BE49-F238E27FC236}">
+                <a16:creationId xmlns:a16="http://schemas.microsoft.com/office/drawing/2014/main" id="{E3A20C0C-B88C-0C83-CF8F-A0AADD46D7BA}"/>
+              </a:ext>
+            </a:extLst>
+          </p:cNvPr>
+          <p:cNvSpPr txBox="1"/>
+          <p:nvPr/>
+        </p:nvSpPr>
+        <p:spPr>
+          <a:xfrm>
+            <a:off x="2812967" y="5585039"/>
+            <a:ext cx="806631" cy="276999"/>
+          </a:xfrm>
+          <a:prstGeom prst="rect">
+            <a:avLst/>
+          </a:prstGeom>
+          <a:noFill/>
+        </p:spPr>
+        <p:txBody>
+          <a:bodyPr wrap="none" rtlCol="0">
+            <a:spAutoFit/>
+          </a:bodyPr>
+          <a:lstStyle/>
+          <a:p>
+            <a:r>
+              <a:rPr lang="pt-BR" sz="1200" dirty="0"/>
+              <a:t>Indivíduo</a:t>
+            </a:r>
+          </a:p>
+        </p:txBody>
+      </p:sp>
+      <p:sp>
+        <p:nvSpPr>
+          <p:cNvPr id="35" name="CaixaDeTexto 34">
+            <a:extLst>
+              <a:ext uri="{FF2B5EF4-FFF2-40B4-BE49-F238E27FC236}">
+                <a16:creationId xmlns:a16="http://schemas.microsoft.com/office/drawing/2014/main" id="{8F5E0D95-D000-15CD-AC0B-EC0CD8A619A4}"/>
+              </a:ext>
+            </a:extLst>
+          </p:cNvPr>
+          <p:cNvSpPr txBox="1"/>
+          <p:nvPr/>
+        </p:nvSpPr>
+        <p:spPr>
+          <a:xfrm>
+            <a:off x="6115746" y="5380557"/>
+            <a:ext cx="1045479" cy="276999"/>
+          </a:xfrm>
+          <a:prstGeom prst="rect">
+            <a:avLst/>
+          </a:prstGeom>
+          <a:noFill/>
+        </p:spPr>
+        <p:txBody>
+          <a:bodyPr wrap="none" rtlCol="0">
+            <a:spAutoFit/>
+          </a:bodyPr>
+          <a:lstStyle/>
+          <a:p>
+            <a:r>
+              <a:rPr lang="pt-BR" sz="1200" dirty="0"/>
+              <a:t>Atendimento</a:t>
+            </a:r>
+          </a:p>
+        </p:txBody>
+      </p:sp>
+      <p:cxnSp>
+        <p:nvCxnSpPr>
+          <p:cNvPr id="64" name="Conector: Angulado 63">
+            <a:extLst>
+              <a:ext uri="{FF2B5EF4-FFF2-40B4-BE49-F238E27FC236}">
+                <a16:creationId xmlns:a16="http://schemas.microsoft.com/office/drawing/2014/main" id="{D7B14409-D2F4-11C2-2831-3C3DF4068DB9}"/>
+              </a:ext>
+            </a:extLst>
+          </p:cNvPr>
+          <p:cNvCxnSpPr>
+            <a:cxnSpLocks/>
+            <a:stCxn id="17" idx="2"/>
+            <a:endCxn id="23" idx="0"/>
+          </p:cNvCxnSpPr>
+          <p:nvPr/>
+        </p:nvCxnSpPr>
+        <p:spPr>
+          <a:xfrm rot="16200000" flipH="1">
+            <a:off x="1891270" y="2526974"/>
+            <a:ext cx="1000434" cy="1649593"/>
+          </a:xfrm>
+          <a:prstGeom prst="bentConnector3">
+            <a:avLst>
+              <a:gd name="adj1" fmla="val 50000"/>
+            </a:avLst>
+          </a:prstGeom>
+          <a:ln w="19050">
+            <a:solidFill>
+              <a:schemeClr val="tx2"/>
+            </a:solidFill>
+            <a:tailEnd type="triangle"/>
+          </a:ln>
+        </p:spPr>
+        <p:style>
+          <a:lnRef idx="1">
+            <a:schemeClr val="accent1"/>
+          </a:lnRef>
+          <a:fillRef idx="0">
+            <a:schemeClr val="accent1"/>
+          </a:fillRef>
+          <a:effectRef idx="0">
+            <a:schemeClr val="accent1"/>
+          </a:effectRef>
+          <a:fontRef idx="minor">
+            <a:schemeClr val="tx1"/>
+          </a:fontRef>
+        </p:style>
+      </p:cxnSp>
+      <p:cxnSp>
+        <p:nvCxnSpPr>
+          <p:cNvPr id="67" name="Conector: Angulado 66">
+            <a:extLst>
+              <a:ext uri="{FF2B5EF4-FFF2-40B4-BE49-F238E27FC236}">
+                <a16:creationId xmlns:a16="http://schemas.microsoft.com/office/drawing/2014/main" id="{B8151107-C2C1-0D71-E29C-76C0D1BD793E}"/>
+              </a:ext>
+            </a:extLst>
+          </p:cNvPr>
+          <p:cNvCxnSpPr>
+            <a:cxnSpLocks/>
+            <a:stCxn id="16" idx="2"/>
+            <a:endCxn id="23" idx="0"/>
+          </p:cNvCxnSpPr>
+          <p:nvPr/>
+        </p:nvCxnSpPr>
+        <p:spPr>
+          <a:xfrm rot="16200000" flipH="1">
+            <a:off x="2363174" y="2998878"/>
+            <a:ext cx="998590" cy="707629"/>
+          </a:xfrm>
+          <a:prstGeom prst="bentConnector3">
+            <a:avLst>
+              <a:gd name="adj1" fmla="val 50000"/>
+            </a:avLst>
+          </a:prstGeom>
+          <a:ln w="19050">
+            <a:solidFill>
+              <a:schemeClr val="tx2"/>
+            </a:solidFill>
+            <a:tailEnd type="triangle"/>
+          </a:ln>
+        </p:spPr>
+        <p:style>
+          <a:lnRef idx="1">
+            <a:schemeClr val="accent1"/>
+          </a:lnRef>
+          <a:fillRef idx="0">
+            <a:schemeClr val="accent1"/>
+          </a:fillRef>
+          <a:effectRef idx="0">
+            <a:schemeClr val="accent1"/>
+          </a:effectRef>
+          <a:fontRef idx="minor">
+            <a:schemeClr val="tx1"/>
+          </a:fontRef>
+        </p:style>
+      </p:cxnSp>
+      <p:cxnSp>
+        <p:nvCxnSpPr>
+          <p:cNvPr id="70" name="Conector: Angulado 69">
+            <a:extLst>
+              <a:ext uri="{FF2B5EF4-FFF2-40B4-BE49-F238E27FC236}">
+                <a16:creationId xmlns:a16="http://schemas.microsoft.com/office/drawing/2014/main" id="{383FA842-C7CB-3E83-E3AB-EA410502D5C7}"/>
+              </a:ext>
+            </a:extLst>
+          </p:cNvPr>
+          <p:cNvCxnSpPr>
+            <a:cxnSpLocks/>
+            <a:stCxn id="15" idx="2"/>
+            <a:endCxn id="23" idx="0"/>
+          </p:cNvCxnSpPr>
+          <p:nvPr/>
+        </p:nvCxnSpPr>
+        <p:spPr>
+          <a:xfrm rot="5400000">
+            <a:off x="2832216" y="3237466"/>
+            <a:ext cx="998590" cy="230454"/>
+          </a:xfrm>
+          <a:prstGeom prst="bentConnector3">
+            <a:avLst>
+              <a:gd name="adj1" fmla="val 50000"/>
+            </a:avLst>
+          </a:prstGeom>
+          <a:ln w="19050">
+            <a:solidFill>
+              <a:schemeClr val="tx2"/>
+            </a:solidFill>
+            <a:tailEnd type="triangle"/>
+          </a:ln>
+        </p:spPr>
+        <p:style>
+          <a:lnRef idx="1">
+            <a:schemeClr val="accent1"/>
+          </a:lnRef>
+          <a:fillRef idx="0">
+            <a:schemeClr val="accent1"/>
+          </a:fillRef>
+          <a:effectRef idx="0">
+            <a:schemeClr val="accent1"/>
+          </a:effectRef>
+          <a:fontRef idx="minor">
+            <a:schemeClr val="tx1"/>
+          </a:fontRef>
+        </p:style>
+      </p:cxnSp>
+      <p:cxnSp>
+        <p:nvCxnSpPr>
+          <p:cNvPr id="74" name="Conector: Angulado 73">
+            <a:extLst>
+              <a:ext uri="{FF2B5EF4-FFF2-40B4-BE49-F238E27FC236}">
+                <a16:creationId xmlns:a16="http://schemas.microsoft.com/office/drawing/2014/main" id="{59497B12-DADB-A55D-9CD3-4B444798ABA6}"/>
+              </a:ext>
+            </a:extLst>
+          </p:cNvPr>
+          <p:cNvCxnSpPr>
+            <a:cxnSpLocks/>
+            <a:stCxn id="14" idx="2"/>
+            <a:endCxn id="23" idx="0"/>
+          </p:cNvCxnSpPr>
+          <p:nvPr/>
+        </p:nvCxnSpPr>
+        <p:spPr>
+          <a:xfrm rot="5400000">
+            <a:off x="3428920" y="2752246"/>
+            <a:ext cx="887106" cy="1312378"/>
+          </a:xfrm>
+          <a:prstGeom prst="bentConnector3">
+            <a:avLst>
+              <a:gd name="adj1" fmla="val 44741"/>
+            </a:avLst>
+          </a:prstGeom>
+          <a:ln w="19050">
+            <a:solidFill>
+              <a:schemeClr val="tx2"/>
+            </a:solidFill>
+            <a:tailEnd type="triangle"/>
+          </a:ln>
+        </p:spPr>
+        <p:style>
+          <a:lnRef idx="1">
+            <a:schemeClr val="accent1"/>
+          </a:lnRef>
+          <a:fillRef idx="0">
+            <a:schemeClr val="accent1"/>
+          </a:fillRef>
+          <a:effectRef idx="0">
+            <a:schemeClr val="accent1"/>
+          </a:effectRef>
+          <a:fontRef idx="minor">
+            <a:schemeClr val="tx1"/>
+          </a:fontRef>
+        </p:style>
+      </p:cxnSp>
+      <p:cxnSp>
+        <p:nvCxnSpPr>
+          <p:cNvPr id="84" name="Conector de Seta Reta 83">
+            <a:extLst>
+              <a:ext uri="{FF2B5EF4-FFF2-40B4-BE49-F238E27FC236}">
+                <a16:creationId xmlns:a16="http://schemas.microsoft.com/office/drawing/2014/main" id="{AF642110-7FEC-C8CE-75BE-122F3FCB83F7}"/>
+              </a:ext>
+            </a:extLst>
+          </p:cNvPr>
+          <p:cNvCxnSpPr>
+            <a:endCxn id="30" idx="1"/>
+          </p:cNvCxnSpPr>
+          <p:nvPr/>
+        </p:nvCxnSpPr>
+        <p:spPr>
+          <a:xfrm>
+            <a:off x="4049818" y="4685522"/>
+            <a:ext cx="1939604" cy="1"/>
+          </a:xfrm>
+          <a:prstGeom prst="straightConnector1">
+            <a:avLst/>
+          </a:prstGeom>
+          <a:ln w="19050">
+            <a:solidFill>
+              <a:schemeClr val="tx2"/>
+            </a:solidFill>
+            <a:tailEnd type="triangle"/>
+          </a:ln>
+        </p:spPr>
+        <p:style>
+          <a:lnRef idx="1">
+            <a:schemeClr val="accent1"/>
+          </a:lnRef>
+          <a:fillRef idx="0">
+            <a:schemeClr val="accent1"/>
+          </a:fillRef>
+          <a:effectRef idx="0">
+            <a:schemeClr val="accent1"/>
+          </a:effectRef>
+          <a:fontRef idx="minor">
+            <a:schemeClr val="tx1"/>
+          </a:fontRef>
+        </p:style>
+      </p:cxnSp>
+      <p:sp>
+        <p:nvSpPr>
+          <p:cNvPr id="36" name="CaixaDeTexto 35">
+            <a:extLst>
+              <a:ext uri="{FF2B5EF4-FFF2-40B4-BE49-F238E27FC236}">
+                <a16:creationId xmlns:a16="http://schemas.microsoft.com/office/drawing/2014/main" id="{BF523D9C-7F07-FD99-E473-9077823039D3}"/>
+              </a:ext>
+            </a:extLst>
+          </p:cNvPr>
+          <p:cNvSpPr txBox="1"/>
+          <p:nvPr/>
+        </p:nvSpPr>
+        <p:spPr>
+          <a:xfrm>
+            <a:off x="4650233" y="4521005"/>
+            <a:ext cx="542136" cy="276999"/>
+          </a:xfrm>
+          <a:prstGeom prst="rect">
+            <a:avLst/>
+          </a:prstGeom>
+          <a:solidFill>
+            <a:schemeClr val="bg1"/>
+          </a:solidFill>
+        </p:spPr>
+        <p:txBody>
+          <a:bodyPr wrap="none" rtlCol="0">
+            <a:spAutoFit/>
+          </a:bodyPr>
+          <a:lstStyle/>
+          <a:p>
+            <a:r>
+              <a:rPr lang="pt-BR" sz="1200" dirty="0"/>
+              <a:t>Crise</a:t>
+            </a:r>
+          </a:p>
+        </p:txBody>
+      </p:sp>
+      <p:cxnSp>
+        <p:nvCxnSpPr>
+          <p:cNvPr id="85" name="Conector de Seta Reta 84">
+            <a:extLst>
+              <a:ext uri="{FF2B5EF4-FFF2-40B4-BE49-F238E27FC236}">
+                <a16:creationId xmlns:a16="http://schemas.microsoft.com/office/drawing/2014/main" id="{85A1BE31-5CF1-D2E3-07F2-21F77118F9FD}"/>
+              </a:ext>
+            </a:extLst>
+          </p:cNvPr>
+          <p:cNvCxnSpPr/>
+          <p:nvPr/>
+        </p:nvCxnSpPr>
+        <p:spPr>
+          <a:xfrm>
+            <a:off x="7464822" y="4685522"/>
+            <a:ext cx="1939604" cy="1"/>
+          </a:xfrm>
+          <a:prstGeom prst="straightConnector1">
+            <a:avLst/>
+          </a:prstGeom>
+          <a:ln w="19050">
+            <a:solidFill>
+              <a:schemeClr val="tx2"/>
+            </a:solidFill>
+            <a:tailEnd type="triangle"/>
+          </a:ln>
+        </p:spPr>
+        <p:style>
+          <a:lnRef idx="1">
+            <a:schemeClr val="accent1"/>
+          </a:lnRef>
+          <a:fillRef idx="0">
+            <a:schemeClr val="accent1"/>
+          </a:fillRef>
+          <a:effectRef idx="0">
+            <a:schemeClr val="accent1"/>
+          </a:effectRef>
+          <a:fontRef idx="minor">
+            <a:schemeClr val="tx1"/>
+          </a:fontRef>
+        </p:style>
+      </p:cxnSp>
+      <p:sp>
+        <p:nvSpPr>
+          <p:cNvPr id="86" name="CaixaDeTexto 85">
+            <a:extLst>
+              <a:ext uri="{FF2B5EF4-FFF2-40B4-BE49-F238E27FC236}">
+                <a16:creationId xmlns:a16="http://schemas.microsoft.com/office/drawing/2014/main" id="{88DD9D17-FFEF-E50C-D2EE-D0F048C47D43}"/>
+              </a:ext>
+            </a:extLst>
+          </p:cNvPr>
+          <p:cNvSpPr txBox="1"/>
+          <p:nvPr/>
+        </p:nvSpPr>
+        <p:spPr>
+          <a:xfrm>
+            <a:off x="8065237" y="4521005"/>
+            <a:ext cx="551754" cy="276999"/>
+          </a:xfrm>
+          <a:prstGeom prst="rect">
+            <a:avLst/>
+          </a:prstGeom>
+          <a:solidFill>
+            <a:schemeClr val="bg1"/>
+          </a:solidFill>
+        </p:spPr>
+        <p:txBody>
+          <a:bodyPr wrap="none" rtlCol="0">
+            <a:spAutoFit/>
+          </a:bodyPr>
+          <a:lstStyle/>
+          <a:p>
+            <a:r>
+              <a:rPr lang="pt-BR" sz="1200" dirty="0"/>
+              <a:t>Óbito</a:t>
+            </a:r>
+          </a:p>
+        </p:txBody>
+      </p:sp>
+      <p:pic>
+        <p:nvPicPr>
+          <p:cNvPr id="96" name="Gráfico 95" descr="Esqueleto com preenchimento sólido">
+            <a:extLst>
+              <a:ext uri="{FF2B5EF4-FFF2-40B4-BE49-F238E27FC236}">
+                <a16:creationId xmlns:a16="http://schemas.microsoft.com/office/drawing/2014/main" id="{4A3F27AE-4D40-8033-B203-6A37D9542972}"/>
+              </a:ext>
+            </a:extLst>
+          </p:cNvPr>
+          <p:cNvPicPr>
+            <a:picLocks noChangeAspect="1"/>
+          </p:cNvPicPr>
+          <p:nvPr/>
+        </p:nvPicPr>
+        <p:blipFill>
+          <a:blip r:embed="rId17">
+            <a:extLst>
+              <a:ext uri="{28A0092B-C50C-407E-A947-70E740481C1C}">
+                <a14:useLocalDpi xmlns:a14="http://schemas.microsoft.com/office/drawing/2010/main" val="0"/>
+              </a:ext>
+              <a:ext uri="{96DAC541-7B7A-43D3-8B79-37D633B846F1}">
+                <asvg:svgBlip xmlns:asvg="http://schemas.microsoft.com/office/drawing/2016/SVG/main" r:embed="rId18"/>
+              </a:ext>
+            </a:extLst>
+          </a:blip>
+          <a:stretch>
+            <a:fillRect/>
+          </a:stretch>
+        </p:blipFill>
+        <p:spPr>
+          <a:xfrm>
+            <a:off x="9551388" y="3932455"/>
+            <a:ext cx="1386820" cy="1386820"/>
+          </a:xfrm>
+          <a:prstGeom prst="rect">
+            <a:avLst/>
+          </a:prstGeom>
+        </p:spPr>
+      </p:pic>
+      <p:sp>
+        <p:nvSpPr>
+          <p:cNvPr id="97" name="CaixaDeTexto 96">
+            <a:extLst>
+              <a:ext uri="{FF2B5EF4-FFF2-40B4-BE49-F238E27FC236}">
+                <a16:creationId xmlns:a16="http://schemas.microsoft.com/office/drawing/2014/main" id="{04E282E3-33DD-FD2C-C439-0D39F5E4B1F4}"/>
+              </a:ext>
+            </a:extLst>
+          </p:cNvPr>
+          <p:cNvSpPr txBox="1"/>
+          <p:nvPr/>
+        </p:nvSpPr>
+        <p:spPr>
+          <a:xfrm>
+            <a:off x="9792007" y="5415341"/>
+            <a:ext cx="873957" cy="276999"/>
+          </a:xfrm>
+          <a:prstGeom prst="rect">
+            <a:avLst/>
+          </a:prstGeom>
+          <a:noFill/>
+        </p:spPr>
+        <p:txBody>
+          <a:bodyPr wrap="none" rtlCol="0">
+            <a:spAutoFit/>
+          </a:bodyPr>
+          <a:lstStyle/>
+          <a:p>
+            <a:r>
+              <a:rPr lang="pt-BR" sz="1200" dirty="0"/>
+              <a:t>Necrópsia</a:t>
+            </a:r>
+          </a:p>
+        </p:txBody>
+      </p:sp>
+      <p:sp>
+        <p:nvSpPr>
+          <p:cNvPr id="102" name="Retângulo 101">
+            <a:extLst>
+              <a:ext uri="{FF2B5EF4-FFF2-40B4-BE49-F238E27FC236}">
+                <a16:creationId xmlns:a16="http://schemas.microsoft.com/office/drawing/2014/main" id="{AEA1CA2D-EDED-6B34-BFD3-233A2D29704A}"/>
+              </a:ext>
+            </a:extLst>
+          </p:cNvPr>
+          <p:cNvSpPr/>
+          <p:nvPr/>
+        </p:nvSpPr>
+        <p:spPr>
+          <a:xfrm>
+            <a:off x="782022" y="1474237"/>
+            <a:ext cx="4774150" cy="1667069"/>
+          </a:xfrm>
+          <a:prstGeom prst="rect">
+            <a:avLst/>
+          </a:prstGeom>
+          <a:noFill/>
+          <a:ln>
+            <a:solidFill>
+              <a:schemeClr val="bg2"/>
+            </a:solidFill>
+            <a:prstDash val="dash"/>
+          </a:ln>
+        </p:spPr>
+        <p:style>
+          <a:lnRef idx="2">
+            <a:schemeClr val="accent1">
+              <a:shade val="15000"/>
+            </a:schemeClr>
+          </a:lnRef>
+          <a:fillRef idx="1">
+            <a:schemeClr val="accent1"/>
+          </a:fillRef>
+          <a:effectRef idx="0">
+            <a:schemeClr val="accent1"/>
+          </a:effectRef>
+          <a:fontRef idx="minor">
+            <a:schemeClr val="lt1"/>
+          </a:fontRef>
+        </p:style>
+        <p:txBody>
+          <a:bodyPr rtlCol="0" anchor="ctr"/>
+          <a:lstStyle/>
+          <a:p>
+            <a:pPr algn="ctr"/>
+            <a:endParaRPr lang="pt-BR"/>
+          </a:p>
+        </p:txBody>
+      </p:sp>
+      <p:sp>
+        <p:nvSpPr>
+          <p:cNvPr id="103" name="CaixaDeTexto 102">
+            <a:extLst>
+              <a:ext uri="{FF2B5EF4-FFF2-40B4-BE49-F238E27FC236}">
+                <a16:creationId xmlns:a16="http://schemas.microsoft.com/office/drawing/2014/main" id="{82CDFD32-01A5-8A7A-4650-E7857F564913}"/>
+              </a:ext>
+            </a:extLst>
+          </p:cNvPr>
+          <p:cNvSpPr txBox="1"/>
+          <p:nvPr/>
+        </p:nvSpPr>
+        <p:spPr>
+          <a:xfrm>
+            <a:off x="3961069" y="1342269"/>
+            <a:ext cx="1518364" cy="276999"/>
+          </a:xfrm>
+          <a:prstGeom prst="rect">
+            <a:avLst/>
+          </a:prstGeom>
+          <a:solidFill>
+            <a:schemeClr val="bg1"/>
+          </a:solidFill>
+        </p:spPr>
+        <p:txBody>
+          <a:bodyPr wrap="none" rtlCol="0">
+            <a:spAutoFit/>
+          </a:bodyPr>
+          <a:lstStyle/>
+          <a:p>
+            <a:r>
+              <a:rPr lang="pt-BR" sz="1200" b="1" i="1" dirty="0"/>
+              <a:t>Contexto paciente</a:t>
+            </a:r>
+          </a:p>
+        </p:txBody>
+      </p:sp>
+      <p:sp>
+        <p:nvSpPr>
+          <p:cNvPr id="109" name="Retângulo 108">
+            <a:extLst>
+              <a:ext uri="{FF2B5EF4-FFF2-40B4-BE49-F238E27FC236}">
+                <a16:creationId xmlns:a16="http://schemas.microsoft.com/office/drawing/2014/main" id="{C4C03762-8DD1-C766-2E3D-679D578A9F2F}"/>
+              </a:ext>
+            </a:extLst>
+          </p:cNvPr>
+          <p:cNvSpPr/>
+          <p:nvPr/>
+        </p:nvSpPr>
+        <p:spPr>
+          <a:xfrm>
+            <a:off x="4280272" y="3602972"/>
+            <a:ext cx="6785833" cy="2340628"/>
+          </a:xfrm>
+          <a:prstGeom prst="rect">
+            <a:avLst/>
+          </a:prstGeom>
+          <a:noFill/>
+          <a:ln>
+            <a:solidFill>
+              <a:schemeClr val="bg2"/>
+            </a:solidFill>
+            <a:prstDash val="dash"/>
+          </a:ln>
+        </p:spPr>
+        <p:style>
+          <a:lnRef idx="2">
+            <a:schemeClr val="accent1">
+              <a:shade val="15000"/>
+            </a:schemeClr>
+          </a:lnRef>
+          <a:fillRef idx="1">
+            <a:schemeClr val="accent1"/>
+          </a:fillRef>
+          <a:effectRef idx="0">
+            <a:schemeClr val="accent1"/>
+          </a:effectRef>
+          <a:fontRef idx="minor">
+            <a:schemeClr val="lt1"/>
+          </a:fontRef>
+        </p:style>
+        <p:txBody>
+          <a:bodyPr rtlCol="0" anchor="ctr"/>
+          <a:lstStyle/>
+          <a:p>
+            <a:pPr algn="ctr"/>
+            <a:endParaRPr lang="pt-BR"/>
+          </a:p>
+        </p:txBody>
+      </p:sp>
+      <p:sp>
+        <p:nvSpPr>
+          <p:cNvPr id="108" name="CaixaDeTexto 107">
+            <a:extLst>
+              <a:ext uri="{FF2B5EF4-FFF2-40B4-BE49-F238E27FC236}">
+                <a16:creationId xmlns:a16="http://schemas.microsoft.com/office/drawing/2014/main" id="{34A9D168-481B-047C-64D5-EA666EAFDADD}"/>
+              </a:ext>
+            </a:extLst>
+          </p:cNvPr>
+          <p:cNvSpPr txBox="1"/>
+          <p:nvPr/>
+        </p:nvSpPr>
+        <p:spPr>
+          <a:xfrm>
+            <a:off x="9231335" y="3464472"/>
+            <a:ext cx="1273105" cy="276999"/>
+          </a:xfrm>
+          <a:prstGeom prst="rect">
+            <a:avLst/>
+          </a:prstGeom>
+          <a:solidFill>
+            <a:schemeClr val="bg1"/>
+          </a:solidFill>
+        </p:spPr>
+        <p:txBody>
+          <a:bodyPr wrap="none" rtlCol="0">
+            <a:spAutoFit/>
+          </a:bodyPr>
+          <a:lstStyle/>
+          <a:p>
+            <a:r>
+              <a:rPr lang="pt-BR" sz="1200" b="1" i="1" dirty="0"/>
+              <a:t>Contexto óbito</a:t>
+            </a:r>
+          </a:p>
+        </p:txBody>
+      </p:sp>
+      <p:pic>
+        <p:nvPicPr>
+          <p:cNvPr id="111" name="Gráfico 110" descr="Apresentação com gráfico de pizza com preenchimento sólido">
+            <a:extLst>
+              <a:ext uri="{FF2B5EF4-FFF2-40B4-BE49-F238E27FC236}">
+                <a16:creationId xmlns:a16="http://schemas.microsoft.com/office/drawing/2014/main" id="{ED1ADD36-0394-00F0-F3E5-72F711422DDF}"/>
+              </a:ext>
+            </a:extLst>
+          </p:cNvPr>
+          <p:cNvPicPr>
+            <a:picLocks noChangeAspect="1"/>
+          </p:cNvPicPr>
+          <p:nvPr/>
+        </p:nvPicPr>
+        <p:blipFill>
+          <a:blip r:embed="rId19">
+            <a:extLst>
+              <a:ext uri="{28A0092B-C50C-407E-A947-70E740481C1C}">
+                <a14:useLocalDpi xmlns:a14="http://schemas.microsoft.com/office/drawing/2010/main" val="0"/>
+              </a:ext>
+              <a:ext uri="{96DAC541-7B7A-43D3-8B79-37D633B846F1}">
+                <asvg:svgBlip xmlns:asvg="http://schemas.microsoft.com/office/drawing/2016/SVG/main" r:embed="rId20"/>
+              </a:ext>
+            </a:extLst>
+          </a:blip>
+          <a:stretch>
+            <a:fillRect/>
+          </a:stretch>
+        </p:blipFill>
+        <p:spPr>
+          <a:xfrm>
+            <a:off x="8267342" y="1720287"/>
+            <a:ext cx="1137084" cy="1137084"/>
+          </a:xfrm>
+          <a:prstGeom prst="rect">
+            <a:avLst/>
+          </a:prstGeom>
+        </p:spPr>
+      </p:pic>
+      <p:cxnSp>
+        <p:nvCxnSpPr>
+          <p:cNvPr id="112" name="Conector: Angulado 111">
+            <a:extLst>
+              <a:ext uri="{FF2B5EF4-FFF2-40B4-BE49-F238E27FC236}">
+                <a16:creationId xmlns:a16="http://schemas.microsoft.com/office/drawing/2014/main" id="{18404E5A-716F-0CB7-4ACC-2F35C7C39D28}"/>
+              </a:ext>
+            </a:extLst>
+          </p:cNvPr>
+          <p:cNvCxnSpPr>
+            <a:cxnSpLocks/>
+            <a:stCxn id="109" idx="3"/>
+          </p:cNvCxnSpPr>
+          <p:nvPr/>
+        </p:nvCxnSpPr>
+        <p:spPr>
+          <a:xfrm flipH="1" flipV="1">
+            <a:off x="9404426" y="2205435"/>
+            <a:ext cx="1661679" cy="2567851"/>
+          </a:xfrm>
+          <a:prstGeom prst="bentConnector4">
+            <a:avLst>
+              <a:gd name="adj1" fmla="val -13757"/>
+              <a:gd name="adj2" fmla="val 100040"/>
+            </a:avLst>
+          </a:prstGeom>
+          <a:ln w="19050">
+            <a:solidFill>
+              <a:schemeClr val="tx2"/>
+            </a:solidFill>
+            <a:tailEnd type="triangle"/>
+          </a:ln>
+        </p:spPr>
+        <p:style>
+          <a:lnRef idx="1">
+            <a:schemeClr val="accent1"/>
+          </a:lnRef>
+          <a:fillRef idx="0">
+            <a:schemeClr val="accent1"/>
+          </a:fillRef>
+          <a:effectRef idx="0">
+            <a:schemeClr val="accent1"/>
+          </a:effectRef>
+          <a:fontRef idx="minor">
+            <a:schemeClr val="tx1"/>
+          </a:fontRef>
+        </p:style>
+      </p:cxnSp>
+      <p:sp>
+        <p:nvSpPr>
+          <p:cNvPr id="119" name="CaixaDeTexto 118">
+            <a:extLst>
+              <a:ext uri="{FF2B5EF4-FFF2-40B4-BE49-F238E27FC236}">
+                <a16:creationId xmlns:a16="http://schemas.microsoft.com/office/drawing/2014/main" id="{8E73B298-BF79-FD06-E649-5F39260EED5C}"/>
+              </a:ext>
+            </a:extLst>
+          </p:cNvPr>
+          <p:cNvSpPr txBox="1"/>
+          <p:nvPr/>
+        </p:nvSpPr>
+        <p:spPr>
+          <a:xfrm>
+            <a:off x="7939669" y="2851553"/>
+            <a:ext cx="2009677" cy="276999"/>
+          </a:xfrm>
+          <a:prstGeom prst="rect">
+            <a:avLst/>
+          </a:prstGeom>
+          <a:noFill/>
+        </p:spPr>
+        <p:txBody>
+          <a:bodyPr wrap="square" rtlCol="0">
+            <a:spAutoFit/>
+          </a:bodyPr>
+          <a:lstStyle/>
+          <a:p>
+            <a:r>
+              <a:rPr lang="pt-BR" sz="1200" dirty="0"/>
+              <a:t>Coleta e análise de dados</a:t>
+            </a:r>
+          </a:p>
+        </p:txBody>
+      </p:sp>
+      <p:cxnSp>
+        <p:nvCxnSpPr>
+          <p:cNvPr id="123" name="Conector de Seta Reta 122">
+            <a:extLst>
+              <a:ext uri="{FF2B5EF4-FFF2-40B4-BE49-F238E27FC236}">
+                <a16:creationId xmlns:a16="http://schemas.microsoft.com/office/drawing/2014/main" id="{3E4B8A02-9292-8EF8-A1FF-AF78FD7A2DC4}"/>
+              </a:ext>
+            </a:extLst>
+          </p:cNvPr>
+          <p:cNvCxnSpPr>
+            <a:cxnSpLocks/>
+          </p:cNvCxnSpPr>
+          <p:nvPr/>
+        </p:nvCxnSpPr>
+        <p:spPr>
+          <a:xfrm flipH="1">
+            <a:off x="5770545" y="2266007"/>
+            <a:ext cx="2368900" cy="0"/>
+          </a:xfrm>
+          <a:prstGeom prst="straightConnector1">
+            <a:avLst/>
+          </a:prstGeom>
+          <a:ln w="19050">
+            <a:solidFill>
+              <a:schemeClr val="tx2"/>
+            </a:solidFill>
+            <a:tailEnd type="triangle"/>
+          </a:ln>
+        </p:spPr>
+        <p:style>
+          <a:lnRef idx="1">
+            <a:schemeClr val="accent1"/>
+          </a:lnRef>
+          <a:fillRef idx="0">
+            <a:schemeClr val="accent1"/>
+          </a:fillRef>
+          <a:effectRef idx="0">
+            <a:schemeClr val="accent1"/>
+          </a:effectRef>
+          <a:fontRef idx="minor">
+            <a:schemeClr val="tx1"/>
+          </a:fontRef>
+        </p:style>
+      </p:cxnSp>
+      <p:sp>
+        <p:nvSpPr>
+          <p:cNvPr id="126" name="CaixaDeTexto 125">
+            <a:extLst>
+              <a:ext uri="{FF2B5EF4-FFF2-40B4-BE49-F238E27FC236}">
+                <a16:creationId xmlns:a16="http://schemas.microsoft.com/office/drawing/2014/main" id="{6F35D5C0-FBBD-7347-0413-77D773A71DA9}"/>
+              </a:ext>
+            </a:extLst>
+          </p:cNvPr>
+          <p:cNvSpPr txBox="1"/>
+          <p:nvPr/>
+        </p:nvSpPr>
+        <p:spPr>
+          <a:xfrm>
+            <a:off x="6329514" y="2125564"/>
+            <a:ext cx="1369286" cy="276999"/>
+          </a:xfrm>
+          <a:prstGeom prst="rect">
+            <a:avLst/>
+          </a:prstGeom>
+          <a:solidFill>
+            <a:schemeClr val="bg1"/>
+          </a:solidFill>
+        </p:spPr>
+        <p:txBody>
+          <a:bodyPr wrap="none" rtlCol="0">
+            <a:spAutoFit/>
+          </a:bodyPr>
+          <a:lstStyle/>
+          <a:p>
+            <a:r>
+              <a:rPr lang="pt-BR" sz="1200" dirty="0"/>
+              <a:t>Políticas públicas</a:t>
+            </a:r>
+          </a:p>
+        </p:txBody>
+      </p:sp>
+    </p:spTree>
+    <p:extLst>
+      <p:ext uri="{BB962C8B-B14F-4D97-AF65-F5344CB8AC3E}">
+        <p14:creationId xmlns:p14="http://schemas.microsoft.com/office/powerpoint/2010/main" val="237259052"/>
+      </p:ext>
+    </p:extLst>
+  </p:cSld>
+  <p:clrMapOvr>
+    <a:masterClrMapping/>
+  </p:clrMapOvr>
+</p:sld>
+</file>
+
+<file path=ppt/slides/slide3.xml><?xml version="1.0" encoding="utf-8"?>
+<p:sld xmlns:a="http://schemas.openxmlformats.org/drawingml/2006/main" xmlns:r="http://schemas.openxmlformats.org/officeDocument/2006/relationships" xmlns:p="http://schemas.openxmlformats.org/presentationml/2006/main">
+  <p:cSld>
+    <p:spTree>
+      <p:nvGrpSpPr>
+        <p:cNvPr id="1" name=""/>
+        <p:cNvGrpSpPr/>
+        <p:nvPr/>
+      </p:nvGrpSpPr>
+      <p:grpSpPr>
+        <a:xfrm>
+          <a:off x="0" y="0"/>
+          <a:ext cx="0" cy="0"/>
+          <a:chOff x="0" y="0"/>
+          <a:chExt cx="0" cy="0"/>
+        </a:xfrm>
+      </p:grpSpPr>
+      <p:graphicFrame>
+        <p:nvGraphicFramePr>
+          <p:cNvPr id="9" name="think-cell data - do not delete" hidden="1">
+            <a:extLst>
+              <a:ext uri="{FF2B5EF4-FFF2-40B4-BE49-F238E27FC236}">
+                <a16:creationId xmlns:a16="http://schemas.microsoft.com/office/drawing/2014/main" id="{14F9FCD9-7F0E-5D14-EEA6-E3B397A32C38}"/>
+              </a:ext>
+            </a:extLst>
+          </p:cNvPr>
+          <p:cNvGraphicFramePr>
+            <a:graphicFrameLocks noChangeAspect="1"/>
+          </p:cNvGraphicFramePr>
+          <p:nvPr>
+            <p:custDataLst>
+              <p:tags r:id="rId1"/>
+            </p:custDataLst>
+            <p:extLst>
+              <p:ext uri="{D42A27DB-BD31-4B8C-83A1-F6EECF244321}">
+                <p14:modId xmlns:p14="http://schemas.microsoft.com/office/powerpoint/2010/main" val="2554096066"/>
+              </p:ext>
+            </p:extLst>
+          </p:nvPr>
+        </p:nvGraphicFramePr>
+        <p:xfrm>
+          <a:off x="1588" y="1588"/>
+          <a:ext cx="1588" cy="1588"/>
+        </p:xfrm>
+        <a:graphic>
+          <a:graphicData uri="http://schemas.openxmlformats.org/presentationml/2006/ole">
+            <mc:AlternateContent xmlns:mc="http://schemas.openxmlformats.org/markup-compatibility/2006">
+              <mc:Choice xmlns:v="urn:schemas-microsoft-com:vml" Requires="v">
+                <p:oleObj name="Slide do think-cell" r:id="rId4" imgW="473" imgH="476" progId="TCLayout.ActiveDocument.1">
+                  <p:embed/>
+                </p:oleObj>
+              </mc:Choice>
+              <mc:Fallback>
+                <p:oleObj name="Slide do think-cell" r:id="rId4" imgW="473" imgH="476" progId="TCLayout.ActiveDocument.1">
                   <p:embed/>
                   <p:pic>
                     <p:nvPicPr>
@@ -1983,453 +3894,6 @@
       </p:graphicFrame>
       <p:sp>
         <p:nvSpPr>
-          <p:cNvPr id="2" name="Título 1">
-            <a:extLst>
-              <a:ext uri="{FF2B5EF4-FFF2-40B4-BE49-F238E27FC236}">
-                <a16:creationId xmlns:a16="http://schemas.microsoft.com/office/drawing/2014/main" xmlns="" id="{05601675-1D59-4D59-8625-E407938A1625}"/>
-              </a:ext>
-            </a:extLst>
-          </p:cNvPr>
-          <p:cNvSpPr>
-            <a:spLocks noGrp="1"/>
-          </p:cNvSpPr>
-          <p:nvPr>
-            <p:ph type="ctrTitle"/>
-          </p:nvPr>
-        </p:nvSpPr>
-        <p:spPr/>
-        <p:txBody>
-          <a:bodyPr/>
-          <a:lstStyle/>
-          <a:p>
-            <a:endParaRPr lang="en-US" dirty="0"/>
-          </a:p>
-        </p:txBody>
-      </p:sp>
-      <p:sp>
-        <p:nvSpPr>
-          <p:cNvPr id="3" name="Espaço Reservado para Texto 2">
-            <a:extLst>
-              <a:ext uri="{FF2B5EF4-FFF2-40B4-BE49-F238E27FC236}">
-                <a16:creationId xmlns:a16="http://schemas.microsoft.com/office/drawing/2014/main" xmlns="" id="{902C35F6-9D83-4CFE-B37E-C8529A485147}"/>
-              </a:ext>
-            </a:extLst>
-          </p:cNvPr>
-          <p:cNvSpPr>
-            <a:spLocks noGrp="1"/>
-          </p:cNvSpPr>
-          <p:nvPr>
-            <p:ph type="body" sz="quarter" idx="4294967295"/>
-          </p:nvPr>
-        </p:nvSpPr>
-        <p:spPr>
-          <a:xfrm>
-            <a:off x="271667" y="146465"/>
-            <a:ext cx="11648665" cy="318052"/>
-          </a:xfrm>
-        </p:spPr>
-        <p:txBody>
-          <a:bodyPr>
-            <a:normAutofit fontScale="70000" lnSpcReduction="20000"/>
-          </a:bodyPr>
-          <a:lstStyle/>
-          <a:p>
-            <a:endParaRPr lang="en-US" dirty="0"/>
-          </a:p>
-        </p:txBody>
-      </p:sp>
-      <p:sp>
-        <p:nvSpPr>
-          <p:cNvPr id="4" name="Retângulo 3">
-            <a:extLst>
-              <a:ext uri="{FF2B5EF4-FFF2-40B4-BE49-F238E27FC236}">
-                <a16:creationId xmlns:a16="http://schemas.microsoft.com/office/drawing/2014/main" xmlns="" id="{62991C85-5335-4F1C-BE32-4F2F033BAAD0}"/>
-              </a:ext>
-            </a:extLst>
-          </p:cNvPr>
-          <p:cNvSpPr/>
-          <p:nvPr/>
-        </p:nvSpPr>
-        <p:spPr>
-          <a:xfrm>
-            <a:off x="0" y="1"/>
-            <a:ext cx="12192000" cy="6858000"/>
-          </a:xfrm>
-          <a:prstGeom prst="rect">
-            <a:avLst/>
-          </a:prstGeom>
-          <a:solidFill>
-            <a:schemeClr val="bg1"/>
-          </a:solidFill>
-        </p:spPr>
-        <p:style>
-          <a:lnRef idx="2">
-            <a:schemeClr val="accent1">
-              <a:shade val="50000"/>
-            </a:schemeClr>
-          </a:lnRef>
-          <a:fillRef idx="1">
-            <a:schemeClr val="accent1"/>
-          </a:fillRef>
-          <a:effectRef idx="0">
-            <a:schemeClr val="accent1"/>
-          </a:effectRef>
-          <a:fontRef idx="minor">
-            <a:schemeClr val="lt1"/>
-          </a:fontRef>
-        </p:style>
-        <p:txBody>
-          <a:bodyPr rtlCol="0" anchor="ctr"/>
-          <a:lstStyle/>
-          <a:p>
-            <a:endParaRPr lang="pt-BR" sz="1800" b="1" dirty="0">
-              <a:solidFill>
-                <a:schemeClr val="tx1">
-                  <a:lumMod val="50000"/>
-                </a:schemeClr>
-              </a:solidFill>
-              <a:latin typeface="Arial" panose="020B0604020202020204" pitchFamily="34" charset="0"/>
-              <a:cs typeface="Arial" panose="020B0604020202020204" pitchFamily="34" charset="0"/>
-            </a:endParaRPr>
-          </a:p>
-        </p:txBody>
-      </p:sp>
-      <p:sp>
-        <p:nvSpPr>
-          <p:cNvPr id="5" name="CaixaDeTexto 4">
-            <a:extLst>
-              <a:ext uri="{FF2B5EF4-FFF2-40B4-BE49-F238E27FC236}">
-                <a16:creationId xmlns:a16="http://schemas.microsoft.com/office/drawing/2014/main" xmlns="" id="{3624E86A-C69E-46D7-A612-797856457E50}"/>
-              </a:ext>
-            </a:extLst>
-          </p:cNvPr>
-          <p:cNvSpPr txBox="1"/>
-          <p:nvPr/>
-        </p:nvSpPr>
-        <p:spPr>
-          <a:xfrm>
-            <a:off x="346308" y="2192239"/>
-            <a:ext cx="3130409" cy="1231106"/>
-          </a:xfrm>
-          <a:prstGeom prst="rect">
-            <a:avLst/>
-          </a:prstGeom>
-          <a:noFill/>
-        </p:spPr>
-        <p:txBody>
-          <a:bodyPr wrap="none" lIns="0" tIns="0" rIns="0" bIns="0" rtlCol="0">
-            <a:spAutoFit/>
-          </a:bodyPr>
-          <a:lstStyle/>
-          <a:p>
-            <a:r>
-              <a:rPr lang="pt-BR" sz="1600" dirty="0">
-                <a:latin typeface="Arial" panose="020B0604020202020204" pitchFamily="34" charset="0"/>
-                <a:cs typeface="Arial" panose="020B0604020202020204" pitchFamily="34" charset="0"/>
-              </a:rPr>
-              <a:t>Aluno: Filipe Soares, </a:t>
-            </a:r>
-            <a:r>
-              <a:rPr lang="pt-BR" sz="1600" dirty="0" smtClean="0">
-                <a:latin typeface="Arial" panose="020B0604020202020204" pitchFamily="34" charset="0"/>
-                <a:cs typeface="Arial" panose="020B0604020202020204" pitchFamily="34" charset="0"/>
-              </a:rPr>
-              <a:t>10774009</a:t>
-            </a:r>
-            <a:endParaRPr lang="pt-BR" sz="1600" dirty="0" smtClean="0">
-              <a:latin typeface="Arial" panose="020B0604020202020204" pitchFamily="34" charset="0"/>
-              <a:cs typeface="Arial" panose="020B0604020202020204" pitchFamily="34" charset="0"/>
-            </a:endParaRPr>
-          </a:p>
-          <a:p>
-            <a:r>
-              <a:rPr lang="pt-BR" sz="1600" dirty="0" smtClean="0">
-                <a:latin typeface="Arial" panose="020B0604020202020204" pitchFamily="34" charset="0"/>
-                <a:cs typeface="Arial" panose="020B0604020202020204" pitchFamily="34" charset="0"/>
-              </a:rPr>
-              <a:t>Orientador: Prof. Dr. Arthur Jordão</a:t>
-            </a:r>
-          </a:p>
-          <a:p>
-            <a:r>
-              <a:rPr lang="pt-BR" sz="1600" dirty="0" smtClean="0">
-                <a:latin typeface="Arial" panose="020B0604020202020204" pitchFamily="34" charset="0"/>
-                <a:cs typeface="Arial" panose="020B0604020202020204" pitchFamily="34" charset="0"/>
-              </a:rPr>
-              <a:t>Engenharia </a:t>
-            </a:r>
-            <a:r>
-              <a:rPr lang="pt-BR" sz="1600" dirty="0">
-                <a:latin typeface="Arial" panose="020B0604020202020204" pitchFamily="34" charset="0"/>
-                <a:cs typeface="Arial" panose="020B0604020202020204" pitchFamily="34" charset="0"/>
-              </a:rPr>
-              <a:t>de Computação</a:t>
-            </a:r>
-          </a:p>
-          <a:p>
-            <a:r>
-              <a:rPr lang="pt-BR" sz="1600" dirty="0" err="1" smtClean="0">
-                <a:latin typeface="Arial" panose="020B0604020202020204" pitchFamily="34" charset="0"/>
-                <a:cs typeface="Arial" panose="020B0604020202020204" pitchFamily="34" charset="0"/>
-              </a:rPr>
-              <a:t>Poli-USP</a:t>
-            </a:r>
-            <a:endParaRPr lang="pt-BR" sz="1600" dirty="0" smtClean="0">
-              <a:latin typeface="Arial" panose="020B0604020202020204" pitchFamily="34" charset="0"/>
-              <a:cs typeface="Arial" panose="020B0604020202020204" pitchFamily="34" charset="0"/>
-            </a:endParaRPr>
-          </a:p>
-          <a:p>
-            <a:r>
-              <a:rPr lang="pt-BR" sz="1600" dirty="0" smtClean="0">
-                <a:latin typeface="Arial" panose="020B0604020202020204" pitchFamily="34" charset="0"/>
-                <a:cs typeface="Arial" panose="020B0604020202020204" pitchFamily="34" charset="0"/>
-              </a:rPr>
-              <a:t>16 de outubro de 2023</a:t>
-            </a:r>
-            <a:endParaRPr lang="pt-BR" sz="1600" dirty="0">
-              <a:latin typeface="Arial" panose="020B0604020202020204" pitchFamily="34" charset="0"/>
-              <a:cs typeface="Arial" panose="020B0604020202020204" pitchFamily="34" charset="0"/>
-            </a:endParaRPr>
-          </a:p>
-        </p:txBody>
-      </p:sp>
-      <p:cxnSp>
-        <p:nvCxnSpPr>
-          <p:cNvPr id="6" name="Conector reto 5">
-            <a:extLst>
-              <a:ext uri="{FF2B5EF4-FFF2-40B4-BE49-F238E27FC236}">
-                <a16:creationId xmlns:a16="http://schemas.microsoft.com/office/drawing/2014/main" xmlns="" id="{69A0F705-5756-4F50-9290-15A9C22B8818}"/>
-              </a:ext>
-            </a:extLst>
-          </p:cNvPr>
-          <p:cNvCxnSpPr>
-            <a:cxnSpLocks/>
-          </p:cNvCxnSpPr>
-          <p:nvPr/>
-        </p:nvCxnSpPr>
-        <p:spPr>
-          <a:xfrm>
-            <a:off x="-280219" y="4681444"/>
-            <a:ext cx="12200551" cy="0"/>
-          </a:xfrm>
-          <a:prstGeom prst="line">
-            <a:avLst/>
-          </a:prstGeom>
-          <a:ln w="28575"/>
-        </p:spPr>
-        <p:style>
-          <a:lnRef idx="1">
-            <a:schemeClr val="accent1"/>
-          </a:lnRef>
-          <a:fillRef idx="0">
-            <a:schemeClr val="accent1"/>
-          </a:fillRef>
-          <a:effectRef idx="0">
-            <a:schemeClr val="accent1"/>
-          </a:effectRef>
-          <a:fontRef idx="minor">
-            <a:schemeClr val="tx1"/>
-          </a:fontRef>
-        </p:style>
-      </p:cxnSp>
-      <p:sp>
-        <p:nvSpPr>
-          <p:cNvPr id="7" name="CaixaDeTexto 6">
-            <a:extLst>
-              <a:ext uri="{FF2B5EF4-FFF2-40B4-BE49-F238E27FC236}">
-                <a16:creationId xmlns:a16="http://schemas.microsoft.com/office/drawing/2014/main" xmlns="" id="{F957B334-54D5-43D9-A88F-20B6EE525C2A}"/>
-              </a:ext>
-            </a:extLst>
-          </p:cNvPr>
-          <p:cNvSpPr txBox="1"/>
-          <p:nvPr/>
-        </p:nvSpPr>
-        <p:spPr>
-          <a:xfrm>
-            <a:off x="362039" y="1130974"/>
-            <a:ext cx="10416611" cy="369332"/>
-          </a:xfrm>
-          <a:prstGeom prst="rect">
-            <a:avLst/>
-          </a:prstGeom>
-          <a:noFill/>
-        </p:spPr>
-        <p:txBody>
-          <a:bodyPr wrap="square" lIns="0" tIns="0" rIns="0" bIns="0">
-            <a:spAutoFit/>
-          </a:bodyPr>
-          <a:lstStyle/>
-          <a:p>
-            <a:r>
-              <a:rPr lang="pt-BR" sz="2400" b="1" dirty="0">
-                <a:solidFill>
-                  <a:schemeClr val="tx1">
-                    <a:lumMod val="50000"/>
-                  </a:schemeClr>
-                </a:solidFill>
-                <a:latin typeface="Arial" panose="020B0604020202020204" pitchFamily="34" charset="0"/>
-                <a:cs typeface="Arial" panose="020B0604020202020204" pitchFamily="34" charset="0"/>
-              </a:rPr>
-              <a:t>Apresentação da Evolução do Projeto </a:t>
-            </a:r>
-            <a:r>
-              <a:rPr lang="pt-BR" sz="2400" b="1" dirty="0" smtClean="0">
-                <a:solidFill>
-                  <a:schemeClr val="tx1">
-                    <a:lumMod val="50000"/>
-                  </a:schemeClr>
-                </a:solidFill>
-                <a:latin typeface="Arial" panose="020B0604020202020204" pitchFamily="34" charset="0"/>
-                <a:cs typeface="Arial" panose="020B0604020202020204" pitchFamily="34" charset="0"/>
-              </a:rPr>
-              <a:t>de Formatura (1)</a:t>
-            </a:r>
-            <a:endParaRPr lang="pt-BR" sz="2400" b="1" dirty="0">
-              <a:solidFill>
-                <a:schemeClr val="tx1">
-                  <a:lumMod val="50000"/>
-                </a:schemeClr>
-              </a:solidFill>
-              <a:latin typeface="Arial" panose="020B0604020202020204" pitchFamily="34" charset="0"/>
-              <a:cs typeface="Arial" panose="020B0604020202020204" pitchFamily="34" charset="0"/>
-            </a:endParaRPr>
-          </a:p>
-        </p:txBody>
-      </p:sp>
-      <p:pic>
-        <p:nvPicPr>
-          <p:cNvPr id="8" name="Picture 2" descr="Mais Notícias… – Página: 2 – PCS">
-            <a:extLst>
-              <a:ext uri="{FF2B5EF4-FFF2-40B4-BE49-F238E27FC236}">
-                <a16:creationId xmlns:a16="http://schemas.microsoft.com/office/drawing/2014/main" xmlns="" id="{5DE9A16D-4D9D-460C-ACAE-B4BB5BDB498A}"/>
-              </a:ext>
-            </a:extLst>
-          </p:cNvPr>
-          <p:cNvPicPr>
-            <a:picLocks noChangeAspect="1" noChangeArrowheads="1"/>
-          </p:cNvPicPr>
-          <p:nvPr/>
-        </p:nvPicPr>
-        <p:blipFill>
-          <a:blip r:embed="rId6" cstate="print">
-            <a:extLst>
-              <a:ext uri="{28A0092B-C50C-407E-A947-70E740481C1C}">
-                <a14:useLocalDpi xmlns:a14="http://schemas.microsoft.com/office/drawing/2010/main" val="0"/>
-              </a:ext>
-            </a:extLst>
-          </a:blip>
-          <a:srcRect/>
-          <a:stretch>
-            <a:fillRect/>
-          </a:stretch>
-        </p:blipFill>
-        <p:spPr bwMode="auto">
-          <a:xfrm>
-            <a:off x="10671207" y="4842914"/>
-            <a:ext cx="1111573" cy="523221"/>
-          </a:xfrm>
-          <a:prstGeom prst="rect">
-            <a:avLst/>
-          </a:prstGeom>
-          <a:noFill/>
-          <a:extLst>
-            <a:ext uri="{909E8E84-426E-40DD-AFC4-6F175D3DCCD1}">
-              <a14:hiddenFill xmlns:a14="http://schemas.microsoft.com/office/drawing/2010/main">
-                <a:solidFill>
-                  <a:srgbClr val="FFFFFF"/>
-                </a:solidFill>
-              </a14:hiddenFill>
-            </a:ext>
-          </a:extLst>
-        </p:spPr>
-      </p:pic>
-      <p:pic>
-        <p:nvPicPr>
-          <p:cNvPr id="9" name="Picture 2" descr="Identidade visual da Escola Politécnica da USP – ESCOLA POLITÉCNICA">
-            <a:extLst>
-              <a:ext uri="{FF2B5EF4-FFF2-40B4-BE49-F238E27FC236}">
-                <a16:creationId xmlns:a16="http://schemas.microsoft.com/office/drawing/2014/main" xmlns="" id="{DEF4FBC4-C16C-4137-A68A-0250A41CC5FA}"/>
-              </a:ext>
-            </a:extLst>
-          </p:cNvPr>
-          <p:cNvPicPr>
-            <a:picLocks noChangeAspect="1" noChangeArrowheads="1"/>
-          </p:cNvPicPr>
-          <p:nvPr/>
-        </p:nvPicPr>
-        <p:blipFill>
-          <a:blip r:embed="rId7" cstate="print">
-            <a:extLst>
-              <a:ext uri="{28A0092B-C50C-407E-A947-70E740481C1C}">
-                <a14:useLocalDpi xmlns:a14="http://schemas.microsoft.com/office/drawing/2010/main" val="0"/>
-              </a:ext>
-            </a:extLst>
-          </a:blip>
-          <a:srcRect/>
-          <a:stretch>
-            <a:fillRect/>
-          </a:stretch>
-        </p:blipFill>
-        <p:spPr bwMode="auto">
-          <a:xfrm>
-            <a:off x="9062716" y="4974998"/>
-            <a:ext cx="1444814" cy="259050"/>
-          </a:xfrm>
-          <a:prstGeom prst="rect">
-            <a:avLst/>
-          </a:prstGeom>
-          <a:noFill/>
-          <a:extLst>
-            <a:ext uri="{909E8E84-426E-40DD-AFC4-6F175D3DCCD1}">
-              <a14:hiddenFill xmlns:a14="http://schemas.microsoft.com/office/drawing/2010/main">
-                <a:solidFill>
-                  <a:srgbClr val="FFFFFF"/>
-                </a:solidFill>
-              </a14:hiddenFill>
-            </a:ext>
-          </a:extLst>
-        </p:spPr>
-      </p:pic>
-    </p:spTree>
-    <p:extLst>
-      <p:ext uri="{BB962C8B-B14F-4D97-AF65-F5344CB8AC3E}">
-        <p14:creationId xmlns:p14="http://schemas.microsoft.com/office/powerpoint/2010/main" val="2060428054"/>
-      </p:ext>
-    </p:extLst>
-  </p:cSld>
-  <p:clrMapOvr>
-    <a:masterClrMapping/>
-  </p:clrMapOvr>
-  <p:timing>
-    <p:tnLst>
-      <p:par>
-        <p:cTn id="1" dur="indefinite" restart="never" nodeType="tmRoot"/>
-      </p:par>
-    </p:tnLst>
-  </p:timing>
-</p:sld>
-</file>
-
-<file path=ppt/slides/slide2.xml><?xml version="1.0" encoding="utf-8"?>
-<p:sld xmlns:a="http://schemas.openxmlformats.org/drawingml/2006/main" xmlns:r="http://schemas.openxmlformats.org/officeDocument/2006/relationships" xmlns:p="http://schemas.openxmlformats.org/presentationml/2006/main">
-  <p:cSld>
-    <p:spTree>
-      <p:nvGrpSpPr>
-        <p:cNvPr id="1" name=""/>
-        <p:cNvGrpSpPr/>
-        <p:nvPr/>
-      </p:nvGrpSpPr>
-      <p:grpSpPr>
-        <a:xfrm>
-          <a:off x="0" y="0"/>
-          <a:ext cx="0" cy="0"/>
-          <a:chOff x="0" y="0"/>
-          <a:chExt cx="0" cy="0"/>
-        </a:xfrm>
-      </p:grpSpPr>
-      <p:sp>
-        <p:nvSpPr>
           <p:cNvPr id="2" name="Título 1"/>
           <p:cNvSpPr>
             <a:spLocks noGrp="1"/>
@@ -2440,10 +3904,130 @@
         </p:nvSpPr>
         <p:spPr/>
         <p:txBody>
-          <a:bodyPr/>
+          <a:bodyPr vert="horz"/>
           <a:lstStyle/>
           <a:p>
-            <a:endParaRPr lang="en-US"/>
+            <a:r>
+              <a:rPr lang="en-US" dirty="0"/>
+              <a:t>Na </a:t>
+            </a:r>
+            <a:r>
+              <a:rPr lang="en-US" dirty="0" err="1"/>
+              <a:t>etapa</a:t>
+            </a:r>
+            <a:r>
+              <a:rPr lang="en-US" dirty="0"/>
+              <a:t> </a:t>
+            </a:r>
+            <a:r>
+              <a:rPr lang="en-US" dirty="0" err="1"/>
+              <a:t>atual</a:t>
+            </a:r>
+            <a:r>
+              <a:rPr lang="en-US" dirty="0"/>
+              <a:t> do </a:t>
+            </a:r>
+            <a:r>
+              <a:rPr lang="en-US" dirty="0" err="1"/>
+              <a:t>projeto</a:t>
+            </a:r>
+            <a:r>
+              <a:rPr lang="en-US" dirty="0"/>
+              <a:t>, a base de dados </a:t>
+            </a:r>
+            <a:r>
+              <a:rPr lang="en-US" dirty="0" err="1"/>
+              <a:t>já</a:t>
+            </a:r>
+            <a:r>
+              <a:rPr lang="en-US" dirty="0"/>
+              <a:t> </a:t>
+            </a:r>
+            <a:r>
+              <a:rPr lang="en-US" dirty="0" err="1"/>
+              <a:t>foi</a:t>
+            </a:r>
+            <a:r>
+              <a:rPr lang="en-US" dirty="0"/>
+              <a:t> </a:t>
+            </a:r>
+            <a:r>
+              <a:rPr lang="en-US" dirty="0" err="1"/>
+              <a:t>tratada</a:t>
+            </a:r>
+            <a:r>
+              <a:rPr lang="en-US" dirty="0"/>
+              <a:t> e </a:t>
+            </a:r>
+            <a:r>
+              <a:rPr lang="en-US" dirty="0" err="1"/>
+              <a:t>os</a:t>
+            </a:r>
+            <a:r>
+              <a:rPr lang="en-US" dirty="0"/>
+              <a:t> </a:t>
+            </a:r>
+            <a:r>
+              <a:rPr lang="en-US" dirty="0" err="1"/>
+              <a:t>modelo</a:t>
+            </a:r>
+            <a:r>
+              <a:rPr lang="en-US" dirty="0"/>
+              <a:t> de </a:t>
+            </a:r>
+            <a:r>
+              <a:rPr lang="en-US" dirty="0" err="1"/>
+              <a:t>supervisão</a:t>
+            </a:r>
+            <a:r>
+              <a:rPr lang="en-US" dirty="0"/>
+              <a:t> e </a:t>
+            </a:r>
+            <a:r>
+              <a:rPr lang="en-US" dirty="0" err="1"/>
+              <a:t>clusterização</a:t>
+            </a:r>
+            <a:r>
+              <a:rPr lang="en-US" dirty="0"/>
+              <a:t> </a:t>
+            </a:r>
+            <a:r>
+              <a:rPr lang="en-US" dirty="0" err="1"/>
+              <a:t>serão</a:t>
+            </a:r>
+            <a:r>
+              <a:rPr lang="en-US" dirty="0"/>
+              <a:t> </a:t>
+            </a:r>
+            <a:r>
+              <a:rPr lang="en-US" dirty="0" err="1"/>
+              <a:t>explorados</a:t>
+            </a:r>
+            <a:r>
+              <a:rPr lang="en-US" dirty="0"/>
+              <a:t> </a:t>
+            </a:r>
+            <a:r>
+              <a:rPr lang="en-US" dirty="0" err="1"/>
+              <a:t>nas</a:t>
+            </a:r>
+            <a:r>
+              <a:rPr lang="en-US" dirty="0"/>
+              <a:t> </a:t>
+            </a:r>
+            <a:r>
+              <a:rPr lang="en-US" dirty="0" err="1"/>
+              <a:t>próximas</a:t>
+            </a:r>
+            <a:r>
+              <a:rPr lang="en-US" dirty="0"/>
+              <a:t> </a:t>
+            </a:r>
+            <a:r>
+              <a:rPr lang="en-US" dirty="0" err="1"/>
+              <a:t>semanas</a:t>
+            </a:r>
+            <a:endParaRPr lang="en-US" dirty="0"/>
           </a:p>
         </p:txBody>
       </p:sp>
@@ -2465,7 +4049,7 @@
             <a:fld id="{BA9E32BD-B201-4C38-96C4-D961A395C03A}" type="slidenum">
               <a:rPr lang="pt-BR" smtClean="0"/>
               <a:pPr/>
-              <a:t>2</a:t>
+              <a:t>3</a:t>
             </a:fld>
             <a:endParaRPr lang="pt-BR" dirty="0"/>
           </a:p>
@@ -2489,110 +4073,211 @@
           <a:lstStyle/>
           <a:p>
             <a:r>
-              <a:rPr lang="pt-BR" dirty="0" smtClean="0"/>
-              <a:t>Contextualização</a:t>
+              <a:rPr lang="pt-BR" dirty="0"/>
+              <a:t>Cronograma do projeto</a:t>
             </a:r>
             <a:endParaRPr lang="en-US" dirty="0"/>
           </a:p>
         </p:txBody>
       </p:sp>
+      <p:sp>
+        <p:nvSpPr>
+          <p:cNvPr id="18" name="CaixaDeTexto 17">
+            <a:extLst>
+              <a:ext uri="{FF2B5EF4-FFF2-40B4-BE49-F238E27FC236}">
+                <a16:creationId xmlns:a16="http://schemas.microsoft.com/office/drawing/2014/main" id="{A5F246D4-A3B6-D173-CE10-58D63D2B39E2}"/>
+              </a:ext>
+            </a:extLst>
+          </p:cNvPr>
+          <p:cNvSpPr txBox="1"/>
+          <p:nvPr/>
+        </p:nvSpPr>
+        <p:spPr>
+          <a:xfrm>
+            <a:off x="892617" y="5173905"/>
+            <a:ext cx="10398621" cy="1200329"/>
+          </a:xfrm>
+          <a:prstGeom prst="rect">
+            <a:avLst/>
+          </a:prstGeom>
+          <a:noFill/>
+        </p:spPr>
+        <p:txBody>
+          <a:bodyPr wrap="square">
+            <a:spAutoFit/>
+          </a:bodyPr>
+          <a:lstStyle/>
+          <a:p>
+            <a:pPr marL="285750" indent="-285750">
+              <a:buFont typeface="Arial" panose="020B0604020202020204" pitchFamily="34" charset="0"/>
+              <a:buChar char="•"/>
+            </a:pPr>
+            <a:r>
+              <a:rPr lang="pt-BR" sz="1200" dirty="0"/>
+              <a:t>Estudar conceitos teóricos e práticos de aprendizado de máquina com ênfase no paradigma não-supervisionado </a:t>
+            </a:r>
+            <a:br>
+              <a:rPr lang="pt-BR" sz="1200" dirty="0"/>
+            </a:br>
+            <a:r>
+              <a:rPr lang="pt-BR" sz="1200" dirty="0"/>
+              <a:t>Aplicar técnicas de clusterização nos dados disponíveis</a:t>
+            </a:r>
+          </a:p>
+          <a:p>
+            <a:pPr marL="285750" indent="-285750">
+              <a:buFont typeface="Arial" panose="020B0604020202020204" pitchFamily="34" charset="0"/>
+              <a:buChar char="•"/>
+            </a:pPr>
+            <a:r>
+              <a:rPr lang="pt-BR" sz="1200" dirty="0"/>
+              <a:t>Conduzir experimentos e análise dos resultados </a:t>
+            </a:r>
+          </a:p>
+          <a:p>
+            <a:pPr marL="285750" indent="-285750">
+              <a:buFont typeface="Arial" panose="020B0604020202020204" pitchFamily="34" charset="0"/>
+              <a:buChar char="•"/>
+            </a:pPr>
+            <a:r>
+              <a:rPr lang="pt-BR" sz="1200" dirty="0"/>
+              <a:t>Ler artigos científicos relacionados ao tema da pesquisa</a:t>
+            </a:r>
+          </a:p>
+          <a:p>
+            <a:pPr marL="285750" indent="-285750">
+              <a:buFont typeface="Arial" panose="020B0604020202020204" pitchFamily="34" charset="0"/>
+              <a:buChar char="•"/>
+            </a:pPr>
+            <a:r>
+              <a:rPr lang="pt-BR" sz="1200" dirty="0"/>
+              <a:t>Organizar e documentar os códigos produzidos seguindo boas práticas de programação </a:t>
+            </a:r>
+          </a:p>
+          <a:p>
+            <a:pPr marL="285750" indent="-285750">
+              <a:buFont typeface="Arial" panose="020B0604020202020204" pitchFamily="34" charset="0"/>
+              <a:buChar char="•"/>
+            </a:pPr>
+            <a:r>
+              <a:rPr lang="pt-BR" sz="1200" dirty="0"/>
+              <a:t>Redigir um documento técnico-científico (o trabalho final do projeto de formatura) </a:t>
+            </a:r>
+          </a:p>
+        </p:txBody>
+      </p:sp>
+      <p:sp>
+        <p:nvSpPr>
+          <p:cNvPr id="21" name="CaixaDeTexto 20">
+            <a:extLst>
+              <a:ext uri="{FF2B5EF4-FFF2-40B4-BE49-F238E27FC236}">
+                <a16:creationId xmlns:a16="http://schemas.microsoft.com/office/drawing/2014/main" id="{58974CE0-E80A-AF32-4671-5FA7A251206C}"/>
+              </a:ext>
+            </a:extLst>
+          </p:cNvPr>
+          <p:cNvSpPr txBox="1"/>
+          <p:nvPr/>
+        </p:nvSpPr>
+        <p:spPr>
+          <a:xfrm>
+            <a:off x="263525" y="1364760"/>
+            <a:ext cx="619080" cy="276999"/>
+          </a:xfrm>
+          <a:prstGeom prst="rect">
+            <a:avLst/>
+          </a:prstGeom>
+          <a:noFill/>
+        </p:spPr>
+        <p:txBody>
+          <a:bodyPr wrap="none" rtlCol="0">
+            <a:spAutoFit/>
+          </a:bodyPr>
+          <a:lstStyle/>
+          <a:p>
+            <a:r>
+              <a:rPr lang="pt-BR" sz="1200" b="1" i="1" dirty="0"/>
+              <a:t>Fases</a:t>
+            </a:r>
+            <a:endParaRPr lang="pt-BR" b="1" i="1" dirty="0"/>
+          </a:p>
+        </p:txBody>
+      </p:sp>
+      <p:sp>
+        <p:nvSpPr>
+          <p:cNvPr id="22" name="CaixaDeTexto 21">
+            <a:extLst>
+              <a:ext uri="{FF2B5EF4-FFF2-40B4-BE49-F238E27FC236}">
+                <a16:creationId xmlns:a16="http://schemas.microsoft.com/office/drawing/2014/main" id="{000A87FD-57DA-FD94-0623-7FD6B70F3A44}"/>
+              </a:ext>
+            </a:extLst>
+          </p:cNvPr>
+          <p:cNvSpPr txBox="1"/>
+          <p:nvPr/>
+        </p:nvSpPr>
+        <p:spPr>
+          <a:xfrm>
+            <a:off x="263525" y="4888723"/>
+            <a:ext cx="962123" cy="276999"/>
+          </a:xfrm>
+          <a:prstGeom prst="rect">
+            <a:avLst/>
+          </a:prstGeom>
+          <a:noFill/>
+        </p:spPr>
+        <p:txBody>
+          <a:bodyPr wrap="none" rtlCol="0">
+            <a:spAutoFit/>
+          </a:bodyPr>
+          <a:lstStyle/>
+          <a:p>
+            <a:r>
+              <a:rPr lang="pt-BR" sz="1200" b="1" i="1" dirty="0"/>
+              <a:t>Atividades</a:t>
+            </a:r>
+            <a:endParaRPr lang="pt-BR" b="1" i="1" dirty="0"/>
+          </a:p>
+        </p:txBody>
+      </p:sp>
+      <p:pic>
+        <p:nvPicPr>
+          <p:cNvPr id="24" name="Imagem 23">
+            <a:extLst>
+              <a:ext uri="{FF2B5EF4-FFF2-40B4-BE49-F238E27FC236}">
+                <a16:creationId xmlns:a16="http://schemas.microsoft.com/office/drawing/2014/main" id="{451190E8-9208-13F4-8568-A13CB0DFD376}"/>
+              </a:ext>
+            </a:extLst>
+          </p:cNvPr>
+          <p:cNvPicPr>
+            <a:picLocks noChangeAspect="1"/>
+          </p:cNvPicPr>
+          <p:nvPr/>
+        </p:nvPicPr>
+        <p:blipFill>
+          <a:blip r:embed="rId6"/>
+          <a:stretch>
+            <a:fillRect/>
+          </a:stretch>
+        </p:blipFill>
+        <p:spPr>
+          <a:xfrm>
+            <a:off x="1169243" y="1641759"/>
+            <a:ext cx="9853514" cy="3185436"/>
+          </a:xfrm>
+          <a:prstGeom prst="rect">
+            <a:avLst/>
+          </a:prstGeom>
+        </p:spPr>
+      </p:pic>
     </p:spTree>
     <p:extLst>
       <p:ext uri="{BB962C8B-B14F-4D97-AF65-F5344CB8AC3E}">
-        <p14:creationId xmlns:p14="http://schemas.microsoft.com/office/powerpoint/2010/main" val="248853588"/>
+        <p14:creationId xmlns:p14="http://schemas.microsoft.com/office/powerpoint/2010/main" val="3670698576"/>
       </p:ext>
     </p:extLst>
   </p:cSld>
   <p:clrMapOvr>
     <a:masterClrMapping/>
   </p:clrMapOvr>
-  <p:timing>
-    <p:tnLst>
-      <p:par>
-        <p:cTn id="1" dur="indefinite" restart="never" nodeType="tmRoot"/>
-      </p:par>
-    </p:tnLst>
-  </p:timing>
-</p:sld>
-</file>
-
-<file path=ppt/slides/slide3.xml><?xml version="1.0" encoding="utf-8"?>
-<p:sld xmlns:a="http://schemas.openxmlformats.org/drawingml/2006/main" xmlns:r="http://schemas.openxmlformats.org/officeDocument/2006/relationships" xmlns:p="http://schemas.openxmlformats.org/presentationml/2006/main">
-  <p:cSld>
-    <p:spTree>
-      <p:nvGrpSpPr>
-        <p:cNvPr id="1" name=""/>
-        <p:cNvGrpSpPr/>
-        <p:nvPr/>
-      </p:nvGrpSpPr>
-      <p:grpSpPr>
-        <a:xfrm>
-          <a:off x="0" y="0"/>
-          <a:ext cx="0" cy="0"/>
-          <a:chOff x="0" y="0"/>
-          <a:chExt cx="0" cy="0"/>
-        </a:xfrm>
-      </p:grpSpPr>
-      <p:sp>
-        <p:nvSpPr>
-          <p:cNvPr id="2" name="Título 1"/>
-          <p:cNvSpPr>
-            <a:spLocks noGrp="1"/>
-          </p:cNvSpPr>
-          <p:nvPr>
-            <p:ph type="ctrTitle"/>
-          </p:nvPr>
-        </p:nvSpPr>
-        <p:spPr/>
-        <p:txBody>
-          <a:bodyPr/>
-          <a:lstStyle/>
-          <a:p>
-            <a:endParaRPr lang="en-US"/>
-          </a:p>
-        </p:txBody>
-      </p:sp>
-      <p:sp>
-        <p:nvSpPr>
-          <p:cNvPr id="4" name="Espaço Reservado para Número de Slide 3"/>
-          <p:cNvSpPr>
-            <a:spLocks noGrp="1"/>
-          </p:cNvSpPr>
-          <p:nvPr>
-            <p:ph type="sldNum" sz="quarter" idx="4"/>
-          </p:nvPr>
-        </p:nvSpPr>
-        <p:spPr/>
-        <p:txBody>
-          <a:bodyPr/>
-          <a:lstStyle/>
-          <a:p>
-            <a:fld id="{BA9E32BD-B201-4C38-96C4-D961A395C03A}" type="slidenum">
-              <a:rPr lang="pt-BR" smtClean="0"/>
-              <a:pPr/>
-              <a:t>3</a:t>
-            </a:fld>
-            <a:endParaRPr lang="pt-BR" dirty="0"/>
-          </a:p>
-        </p:txBody>
-      </p:sp>
-    </p:spTree>
-    <p:extLst>
-      <p:ext uri="{BB962C8B-B14F-4D97-AF65-F5344CB8AC3E}">
-        <p14:creationId xmlns:p14="http://schemas.microsoft.com/office/powerpoint/2010/main" val="4109984347"/>
-      </p:ext>
-    </p:extLst>
-  </p:cSld>
-  <p:clrMapOvr>
-    <a:masterClrMapping/>
-  </p:clrMapOvr>
-  <p:timing>
-    <p:tnLst>
-      <p:par>
-        <p:cTn id="1" dur="indefinite" restart="never" nodeType="tmRoot"/>
-      </p:par>
-    </p:tnLst>
-  </p:timing>
 </p:sld>
 </file>
 
@@ -2613,9 +4298,81 @@
           <a:chExt cx="0" cy="0"/>
         </a:xfrm>
       </p:grpSpPr>
+      <p:graphicFrame>
+        <p:nvGraphicFramePr>
+          <p:cNvPr id="7" name="think-cell data - do not delete" hidden="1">
+            <a:extLst>
+              <a:ext uri="{FF2B5EF4-FFF2-40B4-BE49-F238E27FC236}">
+                <a16:creationId xmlns:a16="http://schemas.microsoft.com/office/drawing/2014/main" id="{F812B11A-D417-9732-6EB7-2A136B9DC5FF}"/>
+              </a:ext>
+            </a:extLst>
+          </p:cNvPr>
+          <p:cNvGraphicFramePr>
+            <a:graphicFrameLocks noChangeAspect="1"/>
+          </p:cNvGraphicFramePr>
+          <p:nvPr>
+            <p:custDataLst>
+              <p:tags r:id="rId1"/>
+            </p:custDataLst>
+            <p:extLst>
+              <p:ext uri="{D42A27DB-BD31-4B8C-83A1-F6EECF244321}">
+                <p14:modId xmlns:p14="http://schemas.microsoft.com/office/powerpoint/2010/main" val="374583981"/>
+              </p:ext>
+            </p:extLst>
+          </p:nvPr>
+        </p:nvGraphicFramePr>
+        <p:xfrm>
+          <a:off x="1588" y="1588"/>
+          <a:ext cx="1588" cy="1588"/>
+        </p:xfrm>
+        <a:graphic>
+          <a:graphicData uri="http://schemas.openxmlformats.org/presentationml/2006/ole">
+            <mc:AlternateContent xmlns:mc="http://schemas.openxmlformats.org/markup-compatibility/2006">
+              <mc:Choice xmlns:v="urn:schemas-microsoft-com:vml" Requires="v">
+                <p:oleObj name="Slide do think-cell" r:id="rId3" imgW="473" imgH="476" progId="TCLayout.ActiveDocument.1">
+                  <p:embed/>
+                </p:oleObj>
+              </mc:Choice>
+              <mc:Fallback>
+                <p:oleObj name="Slide do think-cell" r:id="rId3" imgW="473" imgH="476" progId="TCLayout.ActiveDocument.1">
+                  <p:embed/>
+                  <p:pic>
+                    <p:nvPicPr>
+                      <p:cNvPr id="0" name=""/>
+                      <p:cNvPicPr/>
+                      <p:nvPr/>
+                    </p:nvPicPr>
+                    <p:blipFill>
+                      <a:blip r:embed="rId4"/>
+                      <a:stretch>
+                        <a:fillRect/>
+                      </a:stretch>
+                    </p:blipFill>
+                    <p:spPr>
+                      <a:xfrm>
+                        <a:off x="1588" y="1588"/>
+                        <a:ext cx="1588" cy="1588"/>
+                      </a:xfrm>
+                      <a:prstGeom prst="rect">
+                        <a:avLst/>
+                      </a:prstGeom>
+                    </p:spPr>
+                  </p:pic>
+                </p:oleObj>
+              </mc:Fallback>
+            </mc:AlternateContent>
+          </a:graphicData>
+        </a:graphic>
+      </p:graphicFrame>
       <p:sp>
         <p:nvSpPr>
-          <p:cNvPr id="2" name="Título 1"/>
+          <p:cNvPr id="2" name="Título 1">
+            <a:extLst>
+              <a:ext uri="{FF2B5EF4-FFF2-40B4-BE49-F238E27FC236}">
+                <a16:creationId xmlns:a16="http://schemas.microsoft.com/office/drawing/2014/main" id="{36DC3762-7303-C049-B0E1-F8914DB0B11C}"/>
+              </a:ext>
+            </a:extLst>
+          </p:cNvPr>
           <p:cNvSpPr>
             <a:spLocks noGrp="1"/>
           </p:cNvSpPr>
@@ -2625,16 +4382,25 @@
         </p:nvSpPr>
         <p:spPr/>
         <p:txBody>
-          <a:bodyPr/>
+          <a:bodyPr vert="horz"/>
           <a:lstStyle/>
           <a:p>
-            <a:endParaRPr lang="en-US"/>
+            <a:r>
+              <a:rPr lang="pt-BR" dirty="0"/>
+              <a:t>A principal fonte de dados para o projeto é a plataforma de ciência de dados aplicada à saúde da Fiocruz </a:t>
+            </a:r>
           </a:p>
         </p:txBody>
       </p:sp>
       <p:sp>
         <p:nvSpPr>
-          <p:cNvPr id="3" name="Espaço Reservado para Número de Slide 2"/>
+          <p:cNvPr id="3" name="Espaço Reservado para Número de Slide 2">
+            <a:extLst>
+              <a:ext uri="{FF2B5EF4-FFF2-40B4-BE49-F238E27FC236}">
+                <a16:creationId xmlns:a16="http://schemas.microsoft.com/office/drawing/2014/main" id="{09334A1C-7CC7-E9D6-88A6-365096C45F1F}"/>
+              </a:ext>
+            </a:extLst>
+          </p:cNvPr>
           <p:cNvSpPr>
             <a:spLocks noGrp="1"/>
           </p:cNvSpPr>
@@ -2656,10 +4422,1386 @@
           </a:p>
         </p:txBody>
       </p:sp>
+      <p:sp>
+        <p:nvSpPr>
+          <p:cNvPr id="5" name="Espaço Reservado para Conteúdo 3">
+            <a:extLst>
+              <a:ext uri="{FF2B5EF4-FFF2-40B4-BE49-F238E27FC236}">
+                <a16:creationId xmlns:a16="http://schemas.microsoft.com/office/drawing/2014/main" id="{29731A8A-5E30-465E-8CCC-7767B345B7BE}"/>
+              </a:ext>
+            </a:extLst>
+          </p:cNvPr>
+          <p:cNvSpPr>
+            <a:spLocks noGrp="1"/>
+          </p:cNvSpPr>
+          <p:nvPr>
+            <p:ph sz="quarter" idx="10"/>
+          </p:nvPr>
+        </p:nvSpPr>
+        <p:spPr>
+          <a:xfrm>
+            <a:off x="271667" y="247534"/>
+            <a:ext cx="4873958" cy="226299"/>
+          </a:xfrm>
+        </p:spPr>
+        <p:txBody>
+          <a:bodyPr>
+            <a:normAutofit fontScale="40000" lnSpcReduction="20000"/>
+          </a:bodyPr>
+          <a:lstStyle/>
+          <a:p>
+            <a:r>
+              <a:rPr lang="pt-BR" dirty="0"/>
+              <a:t>Identificação das fontes de dados disponíveis e tratamento deles</a:t>
+            </a:r>
+            <a:endParaRPr lang="en-US" dirty="0"/>
+          </a:p>
+        </p:txBody>
+      </p:sp>
+      <p:pic>
+        <p:nvPicPr>
+          <p:cNvPr id="4098" name="Picture 2" descr="DATASUS - Ministério da Saúde - Insper: Ensino Superior em Negócios,  Direito, Engenharias e Ciência da Computação">
+            <a:extLst>
+              <a:ext uri="{FF2B5EF4-FFF2-40B4-BE49-F238E27FC236}">
+                <a16:creationId xmlns:a16="http://schemas.microsoft.com/office/drawing/2014/main" id="{DD1A4358-C887-674C-E710-EA9642425931}"/>
+              </a:ext>
+            </a:extLst>
+          </p:cNvPr>
+          <p:cNvPicPr>
+            <a:picLocks noChangeAspect="1" noChangeArrowheads="1"/>
+          </p:cNvPicPr>
+          <p:nvPr/>
+        </p:nvPicPr>
+        <p:blipFill>
+          <a:blip r:embed="rId5">
+            <a:extLst>
+              <a:ext uri="{28A0092B-C50C-407E-A947-70E740481C1C}">
+                <a14:useLocalDpi xmlns:a14="http://schemas.microsoft.com/office/drawing/2010/main" val="0"/>
+              </a:ext>
+            </a:extLst>
+          </a:blip>
+          <a:srcRect/>
+          <a:stretch>
+            <a:fillRect/>
+          </a:stretch>
+        </p:blipFill>
+        <p:spPr bwMode="auto">
+          <a:xfrm>
+            <a:off x="701904" y="1720939"/>
+            <a:ext cx="2220685" cy="666206"/>
+          </a:xfrm>
+          <a:prstGeom prst="rect">
+            <a:avLst/>
+          </a:prstGeom>
+          <a:noFill/>
+          <a:extLst>
+            <a:ext uri="{909E8E84-426E-40DD-AFC4-6F175D3DCCD1}">
+              <a14:hiddenFill xmlns:a14="http://schemas.microsoft.com/office/drawing/2010/main">
+                <a:solidFill>
+                  <a:srgbClr val="FFFFFF"/>
+                </a:solidFill>
+              </a14:hiddenFill>
+            </a:ext>
+          </a:extLst>
+        </p:spPr>
+      </p:pic>
+      <p:pic>
+        <p:nvPicPr>
+          <p:cNvPr id="4100" name="Picture 4" descr="Pandemia na Internet: FIOCRUZ | PCDaS">
+            <a:extLst>
+              <a:ext uri="{FF2B5EF4-FFF2-40B4-BE49-F238E27FC236}">
+                <a16:creationId xmlns:a16="http://schemas.microsoft.com/office/drawing/2014/main" id="{C71BEFCE-9AA2-34D7-4907-74BD25521DA3}"/>
+              </a:ext>
+            </a:extLst>
+          </p:cNvPr>
+          <p:cNvPicPr>
+            <a:picLocks noChangeAspect="1" noChangeArrowheads="1"/>
+          </p:cNvPicPr>
+          <p:nvPr/>
+        </p:nvPicPr>
+        <p:blipFill rotWithShape="1">
+          <a:blip r:embed="rId6">
+            <a:extLst>
+              <a:ext uri="{28A0092B-C50C-407E-A947-70E740481C1C}">
+                <a14:useLocalDpi xmlns:a14="http://schemas.microsoft.com/office/drawing/2010/main" val="0"/>
+              </a:ext>
+            </a:extLst>
+          </a:blip>
+          <a:srcRect l="11708" t="23952" r="11708" b="17050"/>
+          <a:stretch/>
+        </p:blipFill>
+        <p:spPr bwMode="auto">
+          <a:xfrm>
+            <a:off x="5036597" y="1969744"/>
+            <a:ext cx="2110661" cy="745237"/>
+          </a:xfrm>
+          <a:prstGeom prst="rect">
+            <a:avLst/>
+          </a:prstGeom>
+          <a:noFill/>
+          <a:extLst>
+            <a:ext uri="{909E8E84-426E-40DD-AFC4-6F175D3DCCD1}">
+              <a14:hiddenFill xmlns:a14="http://schemas.microsoft.com/office/drawing/2010/main">
+                <a:solidFill>
+                  <a:srgbClr val="FFFFFF"/>
+                </a:solidFill>
+              </a14:hiddenFill>
+            </a:ext>
+          </a:extLst>
+        </p:spPr>
+      </p:pic>
+      <p:sp>
+        <p:nvSpPr>
+          <p:cNvPr id="19" name="CaixaDeTexto 18">
+            <a:extLst>
+              <a:ext uri="{FF2B5EF4-FFF2-40B4-BE49-F238E27FC236}">
+                <a16:creationId xmlns:a16="http://schemas.microsoft.com/office/drawing/2014/main" id="{FD1E1BD7-C5DD-81CA-E909-4C5ACD7ECA13}"/>
+              </a:ext>
+            </a:extLst>
+          </p:cNvPr>
+          <p:cNvSpPr txBox="1">
+            <a:spLocks/>
+          </p:cNvSpPr>
+          <p:nvPr/>
+        </p:nvSpPr>
+        <p:spPr>
+          <a:xfrm>
+            <a:off x="726245" y="2642002"/>
+            <a:ext cx="2737418" cy="430887"/>
+          </a:xfrm>
+          <a:prstGeom prst="rect">
+            <a:avLst/>
+          </a:prstGeom>
+          <a:noFill/>
+        </p:spPr>
+        <p:txBody>
+          <a:bodyPr wrap="square">
+            <a:spAutoFit/>
+          </a:bodyPr>
+          <a:lstStyle/>
+          <a:p>
+            <a:r>
+              <a:rPr lang="pt-BR" sz="1100" dirty="0"/>
+              <a:t>SIM - Sistemas de Informação de Mortalidade</a:t>
+            </a:r>
+          </a:p>
+        </p:txBody>
+      </p:sp>
+      <p:grpSp>
+        <p:nvGrpSpPr>
+          <p:cNvPr id="26" name="Agrupar 25">
+            <a:extLst>
+              <a:ext uri="{FF2B5EF4-FFF2-40B4-BE49-F238E27FC236}">
+                <a16:creationId xmlns:a16="http://schemas.microsoft.com/office/drawing/2014/main" id="{D062DF6B-913B-1DB3-33B0-4037B182E3FD}"/>
+              </a:ext>
+            </a:extLst>
+          </p:cNvPr>
+          <p:cNvGrpSpPr/>
+          <p:nvPr/>
+        </p:nvGrpSpPr>
+        <p:grpSpPr>
+          <a:xfrm>
+            <a:off x="3925008" y="1572874"/>
+            <a:ext cx="270442" cy="1465112"/>
+            <a:chOff x="7589942" y="2269789"/>
+            <a:chExt cx="579718" cy="2544810"/>
+          </a:xfrm>
+        </p:grpSpPr>
+        <p:cxnSp>
+          <p:nvCxnSpPr>
+            <p:cNvPr id="24" name="Gerader Verbinder 77">
+              <a:extLst>
+                <a:ext uri="{FF2B5EF4-FFF2-40B4-BE49-F238E27FC236}">
+                  <a16:creationId xmlns:a16="http://schemas.microsoft.com/office/drawing/2014/main" id="{DA33E8CE-5098-CCA5-1322-173DF3032703}"/>
+                </a:ext>
+              </a:extLst>
+            </p:cNvPr>
+            <p:cNvCxnSpPr/>
+            <p:nvPr/>
+          </p:nvCxnSpPr>
+          <p:spPr>
+            <a:xfrm>
+              <a:off x="7589942" y="2269789"/>
+              <a:ext cx="579718" cy="1275108"/>
+            </a:xfrm>
+            <a:prstGeom prst="line">
+              <a:avLst/>
+            </a:prstGeom>
+            <a:ln w="15875" cap="rnd">
+              <a:solidFill>
+                <a:schemeClr val="tx2"/>
+              </a:solidFill>
+            </a:ln>
+            <a:effectLst/>
+            <a:extLst>
+              <a:ext uri="{AF507438-7753-43E0-B8FC-AC1667EBCBE1}">
+                <a14:hiddenEffects xmlns:a14="http://schemas.microsoft.com/office/drawing/2010/main">
+                  <a:effectLst>
+                    <a:outerShdw blurRad="40000" dist="20000" dir="5400000" rotWithShape="0">
+                      <a:srgbClr val="000000">
+                        <a:alpha val="38000"/>
+                      </a:srgbClr>
+                    </a:outerShdw>
+                  </a:effectLst>
+                </a14:hiddenEffects>
+              </a:ext>
+            </a:extLst>
+          </p:spPr>
+          <p:style>
+            <a:lnRef idx="2">
+              <a:schemeClr val="accent1"/>
+            </a:lnRef>
+            <a:fillRef idx="0">
+              <a:schemeClr val="accent1"/>
+            </a:fillRef>
+            <a:effectRef idx="1">
+              <a:schemeClr val="accent1"/>
+            </a:effectRef>
+            <a:fontRef idx="minor">
+              <a:schemeClr val="tx1"/>
+            </a:fontRef>
+          </p:style>
+        </p:cxnSp>
+        <p:cxnSp>
+          <p:nvCxnSpPr>
+            <p:cNvPr id="25" name="Gerader Verbinder 78">
+              <a:extLst>
+                <a:ext uri="{FF2B5EF4-FFF2-40B4-BE49-F238E27FC236}">
+                  <a16:creationId xmlns:a16="http://schemas.microsoft.com/office/drawing/2014/main" id="{26713B3A-038D-3AE0-522C-06B654864145}"/>
+                </a:ext>
+              </a:extLst>
+            </p:cNvPr>
+            <p:cNvCxnSpPr/>
+            <p:nvPr/>
+          </p:nvCxnSpPr>
+          <p:spPr>
+            <a:xfrm flipV="1">
+              <a:off x="7589942" y="3539491"/>
+              <a:ext cx="579718" cy="1275108"/>
+            </a:xfrm>
+            <a:prstGeom prst="line">
+              <a:avLst/>
+            </a:prstGeom>
+            <a:ln w="15875" cap="rnd">
+              <a:solidFill>
+                <a:schemeClr val="tx2"/>
+              </a:solidFill>
+            </a:ln>
+            <a:effectLst/>
+            <a:extLst>
+              <a:ext uri="{AF507438-7753-43E0-B8FC-AC1667EBCBE1}">
+                <a14:hiddenEffects xmlns:a14="http://schemas.microsoft.com/office/drawing/2010/main">
+                  <a:effectLst>
+                    <a:outerShdw blurRad="40000" dist="20000" dir="5400000" rotWithShape="0">
+                      <a:srgbClr val="000000">
+                        <a:alpha val="38000"/>
+                      </a:srgbClr>
+                    </a:outerShdw>
+                  </a:effectLst>
+                </a14:hiddenEffects>
+              </a:ext>
+            </a:extLst>
+          </p:spPr>
+          <p:style>
+            <a:lnRef idx="2">
+              <a:schemeClr val="accent1"/>
+            </a:lnRef>
+            <a:fillRef idx="0">
+              <a:schemeClr val="accent1"/>
+            </a:fillRef>
+            <a:effectRef idx="1">
+              <a:schemeClr val="accent1"/>
+            </a:effectRef>
+            <a:fontRef idx="minor">
+              <a:schemeClr val="tx1"/>
+            </a:fontRef>
+          </p:style>
+        </p:cxnSp>
+      </p:grpSp>
+      <p:sp>
+        <p:nvSpPr>
+          <p:cNvPr id="27" name="CaixaDeTexto 26">
+            <a:extLst>
+              <a:ext uri="{FF2B5EF4-FFF2-40B4-BE49-F238E27FC236}">
+                <a16:creationId xmlns:a16="http://schemas.microsoft.com/office/drawing/2014/main" id="{1E28BB49-B5BB-DE2E-D497-DA0343743A59}"/>
+              </a:ext>
+            </a:extLst>
+          </p:cNvPr>
+          <p:cNvSpPr txBox="1"/>
+          <p:nvPr/>
+        </p:nvSpPr>
+        <p:spPr>
+          <a:xfrm>
+            <a:off x="3198562" y="2488915"/>
+            <a:ext cx="1723333" cy="430887"/>
+          </a:xfrm>
+          <a:prstGeom prst="rect">
+            <a:avLst/>
+          </a:prstGeom>
+          <a:solidFill>
+            <a:schemeClr val="bg1"/>
+          </a:solidFill>
+        </p:spPr>
+        <p:txBody>
+          <a:bodyPr wrap="square" rtlCol="0">
+            <a:spAutoFit/>
+          </a:bodyPr>
+          <a:lstStyle/>
+          <a:p>
+            <a:pPr algn="ctr"/>
+            <a:r>
+              <a:rPr lang="en-US" sz="1100" dirty="0"/>
+              <a:t>ETL (Extract, Transform and Load)</a:t>
+            </a:r>
+            <a:endParaRPr lang="pt-BR" sz="1100" dirty="0"/>
+          </a:p>
+        </p:txBody>
+      </p:sp>
+      <p:sp>
+        <p:nvSpPr>
+          <p:cNvPr id="32" name="Retângulo 31">
+            <a:extLst>
+              <a:ext uri="{FF2B5EF4-FFF2-40B4-BE49-F238E27FC236}">
+                <a16:creationId xmlns:a16="http://schemas.microsoft.com/office/drawing/2014/main" id="{487E9307-6E6F-318B-D3C9-11A391503EAE}"/>
+              </a:ext>
+            </a:extLst>
+          </p:cNvPr>
+          <p:cNvSpPr/>
+          <p:nvPr/>
+        </p:nvSpPr>
+        <p:spPr>
+          <a:xfrm>
+            <a:off x="8684798" y="1709562"/>
+            <a:ext cx="2890680" cy="1133662"/>
+          </a:xfrm>
+          <a:prstGeom prst="rect">
+            <a:avLst/>
+          </a:prstGeom>
+          <a:noFill/>
+          <a:ln>
+            <a:noFill/>
+          </a:ln>
+        </p:spPr>
+        <p:style>
+          <a:lnRef idx="2">
+            <a:schemeClr val="accent1">
+              <a:shade val="15000"/>
+            </a:schemeClr>
+          </a:lnRef>
+          <a:fillRef idx="1">
+            <a:schemeClr val="accent1"/>
+          </a:fillRef>
+          <a:effectRef idx="0">
+            <a:schemeClr val="accent1"/>
+          </a:effectRef>
+          <a:fontRef idx="minor">
+            <a:schemeClr val="lt1"/>
+          </a:fontRef>
+        </p:style>
+        <p:txBody>
+          <a:bodyPr rtlCol="0" anchor="t"/>
+          <a:lstStyle/>
+          <a:p>
+            <a:pPr marL="285750" indent="-285750">
+              <a:buFont typeface="Arial" panose="020B0604020202020204" pitchFamily="34" charset="0"/>
+              <a:buChar char="•"/>
+            </a:pPr>
+            <a:r>
+              <a:rPr lang="pt-BR" sz="1200" dirty="0">
+                <a:solidFill>
+                  <a:schemeClr val="tx1"/>
+                </a:solidFill>
+              </a:rPr>
+              <a:t>23.5 GB (702 arquivos) – 1 por ano por estado desde 1996</a:t>
+            </a:r>
+          </a:p>
+          <a:p>
+            <a:pPr marL="285750" indent="-285750">
+              <a:buFont typeface="Arial" panose="020B0604020202020204" pitchFamily="34" charset="0"/>
+              <a:buChar char="•"/>
+            </a:pPr>
+            <a:r>
+              <a:rPr lang="pt-BR" sz="1200" dirty="0">
+                <a:solidFill>
+                  <a:schemeClr val="tx1"/>
+                </a:solidFill>
+              </a:rPr>
+              <a:t>Estado de SP: 5,52GB e 6.993.473 instâncias</a:t>
+            </a:r>
+          </a:p>
+          <a:p>
+            <a:pPr marL="285750" indent="-285750">
+              <a:buFont typeface="Arial" panose="020B0604020202020204" pitchFamily="34" charset="0"/>
+              <a:buChar char="•"/>
+            </a:pPr>
+            <a:r>
+              <a:rPr lang="pt-BR" sz="1200" dirty="0">
+                <a:solidFill>
+                  <a:schemeClr val="tx1"/>
+                </a:solidFill>
+              </a:rPr>
+              <a:t>164 parâmetros na base</a:t>
+            </a:r>
+          </a:p>
+          <a:p>
+            <a:pPr marL="285750" indent="-285750">
+              <a:buFont typeface="Arial" panose="020B0604020202020204" pitchFamily="34" charset="0"/>
+              <a:buChar char="•"/>
+            </a:pPr>
+            <a:endParaRPr lang="pt-BR" sz="1200" dirty="0">
+              <a:solidFill>
+                <a:schemeClr val="tx1"/>
+              </a:solidFill>
+            </a:endParaRPr>
+          </a:p>
+          <a:p>
+            <a:pPr marL="285750" indent="-285750">
+              <a:buFont typeface="Arial" panose="020B0604020202020204" pitchFamily="34" charset="0"/>
+              <a:buChar char="•"/>
+            </a:pPr>
+            <a:endParaRPr lang="pt-BR" sz="1200" dirty="0">
+              <a:solidFill>
+                <a:schemeClr val="tx1"/>
+              </a:solidFill>
+            </a:endParaRPr>
+          </a:p>
+          <a:p>
+            <a:pPr marL="285750" indent="-285750">
+              <a:buFont typeface="Arial" panose="020B0604020202020204" pitchFamily="34" charset="0"/>
+              <a:buChar char="•"/>
+            </a:pPr>
+            <a:endParaRPr lang="pt-BR" dirty="0">
+              <a:solidFill>
+                <a:schemeClr val="tx1"/>
+              </a:solidFill>
+            </a:endParaRPr>
+          </a:p>
+        </p:txBody>
+      </p:sp>
+      <p:sp>
+        <p:nvSpPr>
+          <p:cNvPr id="42" name="Retângulo 41">
+            <a:extLst>
+              <a:ext uri="{FF2B5EF4-FFF2-40B4-BE49-F238E27FC236}">
+                <a16:creationId xmlns:a16="http://schemas.microsoft.com/office/drawing/2014/main" id="{4420DF43-2134-2485-921B-4FFE04B13C7F}"/>
+              </a:ext>
+            </a:extLst>
+          </p:cNvPr>
+          <p:cNvSpPr/>
+          <p:nvPr/>
+        </p:nvSpPr>
+        <p:spPr>
+          <a:xfrm>
+            <a:off x="8778136" y="4763968"/>
+            <a:ext cx="2890680" cy="444073"/>
+          </a:xfrm>
+          <a:prstGeom prst="rect">
+            <a:avLst/>
+          </a:prstGeom>
+          <a:noFill/>
+          <a:ln>
+            <a:noFill/>
+          </a:ln>
+        </p:spPr>
+        <p:style>
+          <a:lnRef idx="2">
+            <a:schemeClr val="accent1">
+              <a:shade val="15000"/>
+            </a:schemeClr>
+          </a:lnRef>
+          <a:fillRef idx="1">
+            <a:schemeClr val="accent1"/>
+          </a:fillRef>
+          <a:effectRef idx="0">
+            <a:schemeClr val="accent1"/>
+          </a:effectRef>
+          <a:fontRef idx="minor">
+            <a:schemeClr val="lt1"/>
+          </a:fontRef>
+        </p:style>
+        <p:txBody>
+          <a:bodyPr rtlCol="0" anchor="t"/>
+          <a:lstStyle/>
+          <a:p>
+            <a:pPr marL="285750" indent="-285750">
+              <a:buFont typeface="Arial" panose="020B0604020202020204" pitchFamily="34" charset="0"/>
+              <a:buChar char="•"/>
+            </a:pPr>
+            <a:r>
+              <a:rPr lang="pt-BR" sz="1200" dirty="0">
+                <a:solidFill>
+                  <a:schemeClr val="tx1"/>
+                </a:solidFill>
+              </a:rPr>
+              <a:t>Classificação dos parâmetros em categorias do paciente e do óbito</a:t>
+            </a:r>
+          </a:p>
+          <a:p>
+            <a:pPr marL="285750" indent="-285750">
+              <a:buFont typeface="Arial" panose="020B0604020202020204" pitchFamily="34" charset="0"/>
+              <a:buChar char="•"/>
+            </a:pPr>
+            <a:endParaRPr lang="pt-BR" sz="1200" dirty="0">
+              <a:solidFill>
+                <a:schemeClr val="tx1"/>
+              </a:solidFill>
+            </a:endParaRPr>
+          </a:p>
+        </p:txBody>
+      </p:sp>
+      <p:grpSp>
+        <p:nvGrpSpPr>
+          <p:cNvPr id="43" name="Agrupar 42">
+            <a:extLst>
+              <a:ext uri="{FF2B5EF4-FFF2-40B4-BE49-F238E27FC236}">
+                <a16:creationId xmlns:a16="http://schemas.microsoft.com/office/drawing/2014/main" id="{F66327D8-A075-152B-EF9E-31360ED3B503}"/>
+              </a:ext>
+            </a:extLst>
+          </p:cNvPr>
+          <p:cNvGrpSpPr/>
+          <p:nvPr/>
+        </p:nvGrpSpPr>
+        <p:grpSpPr>
+          <a:xfrm>
+            <a:off x="7853184" y="1572874"/>
+            <a:ext cx="270442" cy="1465112"/>
+            <a:chOff x="7589942" y="2269789"/>
+            <a:chExt cx="579718" cy="2544810"/>
+          </a:xfrm>
+        </p:grpSpPr>
+        <p:cxnSp>
+          <p:nvCxnSpPr>
+            <p:cNvPr id="44" name="Gerader Verbinder 77">
+              <a:extLst>
+                <a:ext uri="{FF2B5EF4-FFF2-40B4-BE49-F238E27FC236}">
+                  <a16:creationId xmlns:a16="http://schemas.microsoft.com/office/drawing/2014/main" id="{CC668F30-84AA-4345-2385-0E74E6228D44}"/>
+                </a:ext>
+              </a:extLst>
+            </p:cNvPr>
+            <p:cNvCxnSpPr/>
+            <p:nvPr/>
+          </p:nvCxnSpPr>
+          <p:spPr>
+            <a:xfrm>
+              <a:off x="7589942" y="2269789"/>
+              <a:ext cx="579718" cy="1275108"/>
+            </a:xfrm>
+            <a:prstGeom prst="line">
+              <a:avLst/>
+            </a:prstGeom>
+            <a:ln w="15875" cap="rnd">
+              <a:solidFill>
+                <a:schemeClr val="tx2"/>
+              </a:solidFill>
+            </a:ln>
+            <a:effectLst/>
+            <a:extLst>
+              <a:ext uri="{AF507438-7753-43E0-B8FC-AC1667EBCBE1}">
+                <a14:hiddenEffects xmlns:a14="http://schemas.microsoft.com/office/drawing/2010/main">
+                  <a:effectLst>
+                    <a:outerShdw blurRad="40000" dist="20000" dir="5400000" rotWithShape="0">
+                      <a:srgbClr val="000000">
+                        <a:alpha val="38000"/>
+                      </a:srgbClr>
+                    </a:outerShdw>
+                  </a:effectLst>
+                </a14:hiddenEffects>
+              </a:ext>
+            </a:extLst>
+          </p:spPr>
+          <p:style>
+            <a:lnRef idx="2">
+              <a:schemeClr val="accent1"/>
+            </a:lnRef>
+            <a:fillRef idx="0">
+              <a:schemeClr val="accent1"/>
+            </a:fillRef>
+            <a:effectRef idx="1">
+              <a:schemeClr val="accent1"/>
+            </a:effectRef>
+            <a:fontRef idx="minor">
+              <a:schemeClr val="tx1"/>
+            </a:fontRef>
+          </p:style>
+        </p:cxnSp>
+        <p:cxnSp>
+          <p:nvCxnSpPr>
+            <p:cNvPr id="45" name="Gerader Verbinder 78">
+              <a:extLst>
+                <a:ext uri="{FF2B5EF4-FFF2-40B4-BE49-F238E27FC236}">
+                  <a16:creationId xmlns:a16="http://schemas.microsoft.com/office/drawing/2014/main" id="{8DFBBCD6-AD1B-4B3B-5BA0-3D1C71CA507C}"/>
+                </a:ext>
+              </a:extLst>
+            </p:cNvPr>
+            <p:cNvCxnSpPr/>
+            <p:nvPr/>
+          </p:nvCxnSpPr>
+          <p:spPr>
+            <a:xfrm flipV="1">
+              <a:off x="7589942" y="3539491"/>
+              <a:ext cx="579718" cy="1275108"/>
+            </a:xfrm>
+            <a:prstGeom prst="line">
+              <a:avLst/>
+            </a:prstGeom>
+            <a:ln w="15875" cap="rnd">
+              <a:solidFill>
+                <a:schemeClr val="tx2"/>
+              </a:solidFill>
+            </a:ln>
+            <a:effectLst/>
+            <a:extLst>
+              <a:ext uri="{AF507438-7753-43E0-B8FC-AC1667EBCBE1}">
+                <a14:hiddenEffects xmlns:a14="http://schemas.microsoft.com/office/drawing/2010/main">
+                  <a:effectLst>
+                    <a:outerShdw blurRad="40000" dist="20000" dir="5400000" rotWithShape="0">
+                      <a:srgbClr val="000000">
+                        <a:alpha val="38000"/>
+                      </a:srgbClr>
+                    </a:outerShdw>
+                  </a:effectLst>
+                </a14:hiddenEffects>
+              </a:ext>
+            </a:extLst>
+          </p:spPr>
+          <p:style>
+            <a:lnRef idx="2">
+              <a:schemeClr val="accent1"/>
+            </a:lnRef>
+            <a:fillRef idx="0">
+              <a:schemeClr val="accent1"/>
+            </a:fillRef>
+            <a:effectRef idx="1">
+              <a:schemeClr val="accent1"/>
+            </a:effectRef>
+            <a:fontRef idx="minor">
+              <a:schemeClr val="tx1"/>
+            </a:fontRef>
+          </p:style>
+        </p:cxnSp>
+      </p:grpSp>
+      <p:grpSp>
+        <p:nvGrpSpPr>
+          <p:cNvPr id="46" name="Agrupar 45">
+            <a:extLst>
+              <a:ext uri="{FF2B5EF4-FFF2-40B4-BE49-F238E27FC236}">
+                <a16:creationId xmlns:a16="http://schemas.microsoft.com/office/drawing/2014/main" id="{6F5A1469-8518-8FC8-E730-D1D4E521059A}"/>
+              </a:ext>
+            </a:extLst>
+          </p:cNvPr>
+          <p:cNvGrpSpPr/>
+          <p:nvPr/>
+        </p:nvGrpSpPr>
+        <p:grpSpPr>
+          <a:xfrm flipH="1">
+            <a:off x="7853184" y="4256440"/>
+            <a:ext cx="270442" cy="1465112"/>
+            <a:chOff x="7589942" y="2269789"/>
+            <a:chExt cx="579718" cy="2544810"/>
+          </a:xfrm>
+        </p:grpSpPr>
+        <p:cxnSp>
+          <p:nvCxnSpPr>
+            <p:cNvPr id="47" name="Gerader Verbinder 77">
+              <a:extLst>
+                <a:ext uri="{FF2B5EF4-FFF2-40B4-BE49-F238E27FC236}">
+                  <a16:creationId xmlns:a16="http://schemas.microsoft.com/office/drawing/2014/main" id="{6CFDDC66-DEF2-779F-7710-971AB074DCC9}"/>
+                </a:ext>
+              </a:extLst>
+            </p:cNvPr>
+            <p:cNvCxnSpPr/>
+            <p:nvPr/>
+          </p:nvCxnSpPr>
+          <p:spPr>
+            <a:xfrm>
+              <a:off x="7589942" y="2269789"/>
+              <a:ext cx="579718" cy="1275108"/>
+            </a:xfrm>
+            <a:prstGeom prst="line">
+              <a:avLst/>
+            </a:prstGeom>
+            <a:ln w="15875" cap="rnd">
+              <a:solidFill>
+                <a:schemeClr val="tx2"/>
+              </a:solidFill>
+            </a:ln>
+            <a:effectLst/>
+            <a:extLst>
+              <a:ext uri="{AF507438-7753-43E0-B8FC-AC1667EBCBE1}">
+                <a14:hiddenEffects xmlns:a14="http://schemas.microsoft.com/office/drawing/2010/main">
+                  <a:effectLst>
+                    <a:outerShdw blurRad="40000" dist="20000" dir="5400000" rotWithShape="0">
+                      <a:srgbClr val="000000">
+                        <a:alpha val="38000"/>
+                      </a:srgbClr>
+                    </a:outerShdw>
+                  </a:effectLst>
+                </a14:hiddenEffects>
+              </a:ext>
+            </a:extLst>
+          </p:spPr>
+          <p:style>
+            <a:lnRef idx="2">
+              <a:schemeClr val="accent1"/>
+            </a:lnRef>
+            <a:fillRef idx="0">
+              <a:schemeClr val="accent1"/>
+            </a:fillRef>
+            <a:effectRef idx="1">
+              <a:schemeClr val="accent1"/>
+            </a:effectRef>
+            <a:fontRef idx="minor">
+              <a:schemeClr val="tx1"/>
+            </a:fontRef>
+          </p:style>
+        </p:cxnSp>
+        <p:cxnSp>
+          <p:nvCxnSpPr>
+            <p:cNvPr id="48" name="Gerader Verbinder 78">
+              <a:extLst>
+                <a:ext uri="{FF2B5EF4-FFF2-40B4-BE49-F238E27FC236}">
+                  <a16:creationId xmlns:a16="http://schemas.microsoft.com/office/drawing/2014/main" id="{E91227A8-69D2-DAB1-8B9A-9A0790CA0A64}"/>
+                </a:ext>
+              </a:extLst>
+            </p:cNvPr>
+            <p:cNvCxnSpPr/>
+            <p:nvPr/>
+          </p:nvCxnSpPr>
+          <p:spPr>
+            <a:xfrm flipV="1">
+              <a:off x="7589942" y="3539491"/>
+              <a:ext cx="579718" cy="1275108"/>
+            </a:xfrm>
+            <a:prstGeom prst="line">
+              <a:avLst/>
+            </a:prstGeom>
+            <a:ln w="15875" cap="rnd">
+              <a:solidFill>
+                <a:schemeClr val="tx2"/>
+              </a:solidFill>
+            </a:ln>
+            <a:effectLst/>
+            <a:extLst>
+              <a:ext uri="{AF507438-7753-43E0-B8FC-AC1667EBCBE1}">
+                <a14:hiddenEffects xmlns:a14="http://schemas.microsoft.com/office/drawing/2010/main">
+                  <a:effectLst>
+                    <a:outerShdw blurRad="40000" dist="20000" dir="5400000" rotWithShape="0">
+                      <a:srgbClr val="000000">
+                        <a:alpha val="38000"/>
+                      </a:srgbClr>
+                    </a:outerShdw>
+                  </a:effectLst>
+                </a14:hiddenEffects>
+              </a:ext>
+            </a:extLst>
+          </p:spPr>
+          <p:style>
+            <a:lnRef idx="2">
+              <a:schemeClr val="accent1"/>
+            </a:lnRef>
+            <a:fillRef idx="0">
+              <a:schemeClr val="accent1"/>
+            </a:fillRef>
+            <a:effectRef idx="1">
+              <a:schemeClr val="accent1"/>
+            </a:effectRef>
+            <a:fontRef idx="minor">
+              <a:schemeClr val="tx1"/>
+            </a:fontRef>
+          </p:style>
+        </p:cxnSp>
+      </p:grpSp>
+      <p:sp>
+        <p:nvSpPr>
+          <p:cNvPr id="50" name="CaixaDeTexto 49">
+            <a:extLst>
+              <a:ext uri="{FF2B5EF4-FFF2-40B4-BE49-F238E27FC236}">
+                <a16:creationId xmlns:a16="http://schemas.microsoft.com/office/drawing/2014/main" id="{2C8C5D49-49F4-F027-CC11-27A320E9F366}"/>
+              </a:ext>
+            </a:extLst>
+          </p:cNvPr>
+          <p:cNvSpPr txBox="1"/>
+          <p:nvPr/>
+        </p:nvSpPr>
+        <p:spPr>
+          <a:xfrm>
+            <a:off x="1138727" y="4742958"/>
+            <a:ext cx="1701319" cy="430887"/>
+          </a:xfrm>
+          <a:prstGeom prst="rect">
+            <a:avLst/>
+          </a:prstGeom>
+          <a:noFill/>
+        </p:spPr>
+        <p:txBody>
+          <a:bodyPr wrap="square">
+            <a:spAutoFit/>
+          </a:bodyPr>
+          <a:lstStyle/>
+          <a:p>
+            <a:r>
+              <a:rPr lang="pt-BR" sz="1100" b="1" dirty="0"/>
+              <a:t>Seleção de 41 parâmetros</a:t>
+            </a:r>
+          </a:p>
+        </p:txBody>
+      </p:sp>
+      <p:grpSp>
+        <p:nvGrpSpPr>
+          <p:cNvPr id="51" name="Agrupar 50">
+            <a:extLst>
+              <a:ext uri="{FF2B5EF4-FFF2-40B4-BE49-F238E27FC236}">
+                <a16:creationId xmlns:a16="http://schemas.microsoft.com/office/drawing/2014/main" id="{60B620B4-1425-C938-A368-BE76DAAA59B6}"/>
+              </a:ext>
+            </a:extLst>
+          </p:cNvPr>
+          <p:cNvGrpSpPr/>
+          <p:nvPr/>
+        </p:nvGrpSpPr>
+        <p:grpSpPr>
+          <a:xfrm flipH="1">
+            <a:off x="3848566" y="4256440"/>
+            <a:ext cx="270442" cy="1465112"/>
+            <a:chOff x="7589942" y="2269789"/>
+            <a:chExt cx="579718" cy="2544810"/>
+          </a:xfrm>
+        </p:grpSpPr>
+        <p:cxnSp>
+          <p:nvCxnSpPr>
+            <p:cNvPr id="52" name="Gerader Verbinder 77">
+              <a:extLst>
+                <a:ext uri="{FF2B5EF4-FFF2-40B4-BE49-F238E27FC236}">
+                  <a16:creationId xmlns:a16="http://schemas.microsoft.com/office/drawing/2014/main" id="{BDE63EF3-517C-0793-038F-1EE60C7B4FF1}"/>
+                </a:ext>
+              </a:extLst>
+            </p:cNvPr>
+            <p:cNvCxnSpPr/>
+            <p:nvPr/>
+          </p:nvCxnSpPr>
+          <p:spPr>
+            <a:xfrm>
+              <a:off x="7589942" y="2269789"/>
+              <a:ext cx="579718" cy="1275108"/>
+            </a:xfrm>
+            <a:prstGeom prst="line">
+              <a:avLst/>
+            </a:prstGeom>
+            <a:ln w="15875" cap="rnd">
+              <a:solidFill>
+                <a:schemeClr val="tx2"/>
+              </a:solidFill>
+            </a:ln>
+            <a:effectLst/>
+            <a:extLst>
+              <a:ext uri="{AF507438-7753-43E0-B8FC-AC1667EBCBE1}">
+                <a14:hiddenEffects xmlns:a14="http://schemas.microsoft.com/office/drawing/2010/main">
+                  <a:effectLst>
+                    <a:outerShdw blurRad="40000" dist="20000" dir="5400000" rotWithShape="0">
+                      <a:srgbClr val="000000">
+                        <a:alpha val="38000"/>
+                      </a:srgbClr>
+                    </a:outerShdw>
+                  </a:effectLst>
+                </a14:hiddenEffects>
+              </a:ext>
+            </a:extLst>
+          </p:spPr>
+          <p:style>
+            <a:lnRef idx="2">
+              <a:schemeClr val="accent1"/>
+            </a:lnRef>
+            <a:fillRef idx="0">
+              <a:schemeClr val="accent1"/>
+            </a:fillRef>
+            <a:effectRef idx="1">
+              <a:schemeClr val="accent1"/>
+            </a:effectRef>
+            <a:fontRef idx="minor">
+              <a:schemeClr val="tx1"/>
+            </a:fontRef>
+          </p:style>
+        </p:cxnSp>
+        <p:cxnSp>
+          <p:nvCxnSpPr>
+            <p:cNvPr id="53" name="Gerader Verbinder 78">
+              <a:extLst>
+                <a:ext uri="{FF2B5EF4-FFF2-40B4-BE49-F238E27FC236}">
+                  <a16:creationId xmlns:a16="http://schemas.microsoft.com/office/drawing/2014/main" id="{0BCD365A-E227-A726-4EBE-568085FBC1E5}"/>
+                </a:ext>
+              </a:extLst>
+            </p:cNvPr>
+            <p:cNvCxnSpPr/>
+            <p:nvPr/>
+          </p:nvCxnSpPr>
+          <p:spPr>
+            <a:xfrm flipV="1">
+              <a:off x="7589942" y="3539491"/>
+              <a:ext cx="579718" cy="1275108"/>
+            </a:xfrm>
+            <a:prstGeom prst="line">
+              <a:avLst/>
+            </a:prstGeom>
+            <a:ln w="15875" cap="rnd">
+              <a:solidFill>
+                <a:schemeClr val="tx2"/>
+              </a:solidFill>
+            </a:ln>
+            <a:effectLst/>
+            <a:extLst>
+              <a:ext uri="{AF507438-7753-43E0-B8FC-AC1667EBCBE1}">
+                <a14:hiddenEffects xmlns:a14="http://schemas.microsoft.com/office/drawing/2010/main">
+                  <a:effectLst>
+                    <a:outerShdw blurRad="40000" dist="20000" dir="5400000" rotWithShape="0">
+                      <a:srgbClr val="000000">
+                        <a:alpha val="38000"/>
+                      </a:srgbClr>
+                    </a:outerShdw>
+                  </a:effectLst>
+                </a14:hiddenEffects>
+              </a:ext>
+            </a:extLst>
+          </p:spPr>
+          <p:style>
+            <a:lnRef idx="2">
+              <a:schemeClr val="accent1"/>
+            </a:lnRef>
+            <a:fillRef idx="0">
+              <a:schemeClr val="accent1"/>
+            </a:fillRef>
+            <a:effectRef idx="1">
+              <a:schemeClr val="accent1"/>
+            </a:effectRef>
+            <a:fontRef idx="minor">
+              <a:schemeClr val="tx1"/>
+            </a:fontRef>
+          </p:style>
+        </p:cxnSp>
+      </p:grpSp>
+      <p:sp>
+        <p:nvSpPr>
+          <p:cNvPr id="54" name="Retângulo 53">
+            <a:extLst>
+              <a:ext uri="{FF2B5EF4-FFF2-40B4-BE49-F238E27FC236}">
+                <a16:creationId xmlns:a16="http://schemas.microsoft.com/office/drawing/2014/main" id="{19164EE5-FE1A-D7F7-FAB7-78BF6C3DD509}"/>
+              </a:ext>
+            </a:extLst>
+          </p:cNvPr>
+          <p:cNvSpPr/>
+          <p:nvPr/>
+        </p:nvSpPr>
+        <p:spPr>
+          <a:xfrm>
+            <a:off x="4635249" y="4445884"/>
+            <a:ext cx="2890680" cy="1268221"/>
+          </a:xfrm>
+          <a:prstGeom prst="rect">
+            <a:avLst/>
+          </a:prstGeom>
+          <a:noFill/>
+          <a:ln>
+            <a:noFill/>
+          </a:ln>
+        </p:spPr>
+        <p:style>
+          <a:lnRef idx="2">
+            <a:schemeClr val="accent1">
+              <a:shade val="15000"/>
+            </a:schemeClr>
+          </a:lnRef>
+          <a:fillRef idx="1">
+            <a:schemeClr val="accent1"/>
+          </a:fillRef>
+          <a:effectRef idx="0">
+            <a:schemeClr val="accent1"/>
+          </a:effectRef>
+          <a:fontRef idx="minor">
+            <a:schemeClr val="lt1"/>
+          </a:fontRef>
+        </p:style>
+        <p:txBody>
+          <a:bodyPr rtlCol="0" anchor="t"/>
+          <a:lstStyle/>
+          <a:p>
+            <a:pPr marL="285750" indent="-285750">
+              <a:buFont typeface="Arial" panose="020B0604020202020204" pitchFamily="34" charset="0"/>
+              <a:buChar char="•"/>
+            </a:pPr>
+            <a:r>
+              <a:rPr lang="pt-BR" sz="1200" dirty="0">
+                <a:solidFill>
+                  <a:schemeClr val="tx1"/>
+                </a:solidFill>
+              </a:rPr>
+              <a:t>Filtro de parâmetros: (i) com quantidade de dados relevante, (</a:t>
+            </a:r>
+            <a:r>
+              <a:rPr lang="pt-BR" sz="1200" dirty="0" err="1">
+                <a:solidFill>
+                  <a:schemeClr val="tx1"/>
+                </a:solidFill>
+              </a:rPr>
+              <a:t>ii</a:t>
+            </a:r>
+            <a:r>
+              <a:rPr lang="pt-BR" sz="1200" dirty="0">
+                <a:solidFill>
+                  <a:schemeClr val="tx1"/>
+                </a:solidFill>
+              </a:rPr>
+              <a:t>) colunas redundantes e (</a:t>
+            </a:r>
+            <a:r>
+              <a:rPr lang="pt-BR" sz="1200" dirty="0" err="1">
+                <a:solidFill>
+                  <a:schemeClr val="tx1"/>
+                </a:solidFill>
+              </a:rPr>
+              <a:t>iii</a:t>
+            </a:r>
+            <a:r>
+              <a:rPr lang="pt-BR" sz="1200" dirty="0">
+                <a:solidFill>
+                  <a:schemeClr val="tx1"/>
+                </a:solidFill>
+              </a:rPr>
+              <a:t>) que fazem sentido para análise</a:t>
+            </a:r>
+          </a:p>
+          <a:p>
+            <a:pPr marL="285750" indent="-285750">
+              <a:buFont typeface="Arial" panose="020B0604020202020204" pitchFamily="34" charset="0"/>
+              <a:buChar char="•"/>
+            </a:pPr>
+            <a:r>
+              <a:rPr lang="pt-BR" sz="1200" dirty="0">
+                <a:solidFill>
+                  <a:schemeClr val="tx1"/>
+                </a:solidFill>
+              </a:rPr>
+              <a:t>Codificação dos parâmetros</a:t>
+            </a:r>
+          </a:p>
+        </p:txBody>
+      </p:sp>
+      <p:grpSp>
+        <p:nvGrpSpPr>
+          <p:cNvPr id="55" name="Agrupar 54">
+            <a:extLst>
+              <a:ext uri="{FF2B5EF4-FFF2-40B4-BE49-F238E27FC236}">
+                <a16:creationId xmlns:a16="http://schemas.microsoft.com/office/drawing/2014/main" id="{52063C0C-2CFD-1AA9-4DC1-50FC30AB7019}"/>
+              </a:ext>
+            </a:extLst>
+          </p:cNvPr>
+          <p:cNvGrpSpPr/>
+          <p:nvPr/>
+        </p:nvGrpSpPr>
+        <p:grpSpPr>
+          <a:xfrm rot="5400000">
+            <a:off x="9911112" y="2790607"/>
+            <a:ext cx="270442" cy="1465112"/>
+            <a:chOff x="7589942" y="2269789"/>
+            <a:chExt cx="579718" cy="2544810"/>
+          </a:xfrm>
+        </p:grpSpPr>
+        <p:cxnSp>
+          <p:nvCxnSpPr>
+            <p:cNvPr id="56" name="Gerader Verbinder 77">
+              <a:extLst>
+                <a:ext uri="{FF2B5EF4-FFF2-40B4-BE49-F238E27FC236}">
+                  <a16:creationId xmlns:a16="http://schemas.microsoft.com/office/drawing/2014/main" id="{BEEA0ED4-39D5-1BB7-C6A7-45D35244FB04}"/>
+                </a:ext>
+              </a:extLst>
+            </p:cNvPr>
+            <p:cNvCxnSpPr/>
+            <p:nvPr/>
+          </p:nvCxnSpPr>
+          <p:spPr>
+            <a:xfrm>
+              <a:off x="7589942" y="2269789"/>
+              <a:ext cx="579718" cy="1275108"/>
+            </a:xfrm>
+            <a:prstGeom prst="line">
+              <a:avLst/>
+            </a:prstGeom>
+            <a:ln w="15875" cap="rnd">
+              <a:solidFill>
+                <a:schemeClr val="tx2"/>
+              </a:solidFill>
+            </a:ln>
+            <a:effectLst/>
+            <a:extLst>
+              <a:ext uri="{AF507438-7753-43E0-B8FC-AC1667EBCBE1}">
+                <a14:hiddenEffects xmlns:a14="http://schemas.microsoft.com/office/drawing/2010/main">
+                  <a:effectLst>
+                    <a:outerShdw blurRad="40000" dist="20000" dir="5400000" rotWithShape="0">
+                      <a:srgbClr val="000000">
+                        <a:alpha val="38000"/>
+                      </a:srgbClr>
+                    </a:outerShdw>
+                  </a:effectLst>
+                </a14:hiddenEffects>
+              </a:ext>
+            </a:extLst>
+          </p:spPr>
+          <p:style>
+            <a:lnRef idx="2">
+              <a:schemeClr val="accent1"/>
+            </a:lnRef>
+            <a:fillRef idx="0">
+              <a:schemeClr val="accent1"/>
+            </a:fillRef>
+            <a:effectRef idx="1">
+              <a:schemeClr val="accent1"/>
+            </a:effectRef>
+            <a:fontRef idx="minor">
+              <a:schemeClr val="tx1"/>
+            </a:fontRef>
+          </p:style>
+        </p:cxnSp>
+        <p:cxnSp>
+          <p:nvCxnSpPr>
+            <p:cNvPr id="57" name="Gerader Verbinder 78">
+              <a:extLst>
+                <a:ext uri="{FF2B5EF4-FFF2-40B4-BE49-F238E27FC236}">
+                  <a16:creationId xmlns:a16="http://schemas.microsoft.com/office/drawing/2014/main" id="{AB36B321-D718-E303-E908-24C0B51AF008}"/>
+                </a:ext>
+              </a:extLst>
+            </p:cNvPr>
+            <p:cNvCxnSpPr/>
+            <p:nvPr/>
+          </p:nvCxnSpPr>
+          <p:spPr>
+            <a:xfrm flipV="1">
+              <a:off x="7589942" y="3539491"/>
+              <a:ext cx="579718" cy="1275108"/>
+            </a:xfrm>
+            <a:prstGeom prst="line">
+              <a:avLst/>
+            </a:prstGeom>
+            <a:ln w="15875" cap="rnd">
+              <a:solidFill>
+                <a:schemeClr val="tx2"/>
+              </a:solidFill>
+            </a:ln>
+            <a:effectLst/>
+            <a:extLst>
+              <a:ext uri="{AF507438-7753-43E0-B8FC-AC1667EBCBE1}">
+                <a14:hiddenEffects xmlns:a14="http://schemas.microsoft.com/office/drawing/2010/main">
+                  <a:effectLst>
+                    <a:outerShdw blurRad="40000" dist="20000" dir="5400000" rotWithShape="0">
+                      <a:srgbClr val="000000">
+                        <a:alpha val="38000"/>
+                      </a:srgbClr>
+                    </a:outerShdw>
+                  </a:effectLst>
+                </a14:hiddenEffects>
+              </a:ext>
+            </a:extLst>
+          </p:spPr>
+          <p:style>
+            <a:lnRef idx="2">
+              <a:schemeClr val="accent1"/>
+            </a:lnRef>
+            <a:fillRef idx="0">
+              <a:schemeClr val="accent1"/>
+            </a:fillRef>
+            <a:effectRef idx="1">
+              <a:schemeClr val="accent1"/>
+            </a:effectRef>
+            <a:fontRef idx="minor">
+              <a:schemeClr val="tx1"/>
+            </a:fontRef>
+          </p:style>
+        </p:cxnSp>
+      </p:grpSp>
     </p:spTree>
     <p:extLst>
       <p:ext uri="{BB962C8B-B14F-4D97-AF65-F5344CB8AC3E}">
-        <p14:creationId xmlns:p14="http://schemas.microsoft.com/office/powerpoint/2010/main" val="2935489924"/>
+        <p14:creationId xmlns:p14="http://schemas.microsoft.com/office/powerpoint/2010/main" val="1946730615"/>
+      </p:ext>
+    </p:extLst>
+  </p:cSld>
+  <p:clrMapOvr>
+    <a:masterClrMapping/>
+  </p:clrMapOvr>
+</p:sld>
+</file>
+
+<file path=ppt/slides/slide5.xml><?xml version="1.0" encoding="utf-8"?>
+<p:sld xmlns:a="http://schemas.openxmlformats.org/drawingml/2006/main" xmlns:r="http://schemas.openxmlformats.org/officeDocument/2006/relationships" xmlns:p="http://schemas.openxmlformats.org/presentationml/2006/main" show="0">
+  <p:cSld>
+    <p:spTree>
+      <p:nvGrpSpPr>
+        <p:cNvPr id="1" name=""/>
+        <p:cNvGrpSpPr/>
+        <p:nvPr/>
+      </p:nvGrpSpPr>
+      <p:grpSpPr>
+        <a:xfrm>
+          <a:off x="0" y="0"/>
+          <a:ext cx="0" cy="0"/>
+          <a:chOff x="0" y="0"/>
+          <a:chExt cx="0" cy="0"/>
+        </a:xfrm>
+      </p:grpSpPr>
+      <p:graphicFrame>
+        <p:nvGraphicFramePr>
+          <p:cNvPr id="6" name="think-cell data - do not delete" hidden="1">
+            <a:extLst>
+              <a:ext uri="{FF2B5EF4-FFF2-40B4-BE49-F238E27FC236}">
+                <a16:creationId xmlns:a16="http://schemas.microsoft.com/office/drawing/2014/main" id="{A146CFB9-7C2F-BA74-58AC-2130C60B1CBC}"/>
+              </a:ext>
+            </a:extLst>
+          </p:cNvPr>
+          <p:cNvGraphicFramePr>
+            <a:graphicFrameLocks noChangeAspect="1"/>
+          </p:cNvGraphicFramePr>
+          <p:nvPr>
+            <p:custDataLst>
+              <p:tags r:id="rId1"/>
+            </p:custDataLst>
+            <p:extLst>
+              <p:ext uri="{D42A27DB-BD31-4B8C-83A1-F6EECF244321}">
+                <p14:modId xmlns:p14="http://schemas.microsoft.com/office/powerpoint/2010/main" val="2947166218"/>
+              </p:ext>
+            </p:extLst>
+          </p:nvPr>
+        </p:nvGraphicFramePr>
+        <p:xfrm>
+          <a:off x="1588" y="1588"/>
+          <a:ext cx="1588" cy="1588"/>
+        </p:xfrm>
+        <a:graphic>
+          <a:graphicData uri="http://schemas.openxmlformats.org/presentationml/2006/ole">
+            <mc:AlternateContent xmlns:mc="http://schemas.openxmlformats.org/markup-compatibility/2006">
+              <mc:Choice xmlns:v="urn:schemas-microsoft-com:vml" Requires="v">
+                <p:oleObj name="Slide do think-cell" r:id="rId3" imgW="473" imgH="476" progId="TCLayout.ActiveDocument.1">
+                  <p:embed/>
+                </p:oleObj>
+              </mc:Choice>
+              <mc:Fallback>
+                <p:oleObj name="Slide do think-cell" r:id="rId3" imgW="473" imgH="476" progId="TCLayout.ActiveDocument.1">
+                  <p:embed/>
+                  <p:pic>
+                    <p:nvPicPr>
+                      <p:cNvPr id="0" name=""/>
+                      <p:cNvPicPr/>
+                      <p:nvPr/>
+                    </p:nvPicPr>
+                    <p:blipFill>
+                      <a:blip r:embed="rId4"/>
+                      <a:stretch>
+                        <a:fillRect/>
+                      </a:stretch>
+                    </p:blipFill>
+                    <p:spPr>
+                      <a:xfrm>
+                        <a:off x="1588" y="1588"/>
+                        <a:ext cx="1588" cy="1588"/>
+                      </a:xfrm>
+                      <a:prstGeom prst="rect">
+                        <a:avLst/>
+                      </a:prstGeom>
+                    </p:spPr>
+                  </p:pic>
+                </p:oleObj>
+              </mc:Fallback>
+            </mc:AlternateContent>
+          </a:graphicData>
+        </a:graphic>
+      </p:graphicFrame>
+      <p:sp>
+        <p:nvSpPr>
+          <p:cNvPr id="2" name="Título 1">
+            <a:extLst>
+              <a:ext uri="{FF2B5EF4-FFF2-40B4-BE49-F238E27FC236}">
+                <a16:creationId xmlns:a16="http://schemas.microsoft.com/office/drawing/2014/main" id="{B620C781-6596-0D2E-D077-1E5469E6B7E9}"/>
+              </a:ext>
+            </a:extLst>
+          </p:cNvPr>
+          <p:cNvSpPr>
+            <a:spLocks noGrp="1"/>
+          </p:cNvSpPr>
+          <p:nvPr>
+            <p:ph type="ctrTitle"/>
+          </p:nvPr>
+        </p:nvSpPr>
+        <p:spPr/>
+        <p:txBody>
+          <a:bodyPr vert="horz"/>
+          <a:lstStyle/>
+          <a:p>
+            <a:r>
+              <a:rPr lang="pt-BR" dirty="0"/>
+              <a:t>Existem duas hipóteses guiando a análise que serão validados ou refutados pela combinação de análise supervisionada e não supervisionada</a:t>
+            </a:r>
+          </a:p>
+        </p:txBody>
+      </p:sp>
+      <p:sp>
+        <p:nvSpPr>
+          <p:cNvPr id="3" name="Espaço Reservado para Número de Slide 2">
+            <a:extLst>
+              <a:ext uri="{FF2B5EF4-FFF2-40B4-BE49-F238E27FC236}">
+                <a16:creationId xmlns:a16="http://schemas.microsoft.com/office/drawing/2014/main" id="{7ACD33A2-223F-0D2E-F664-4454F55C8863}"/>
+              </a:ext>
+            </a:extLst>
+          </p:cNvPr>
+          <p:cNvSpPr>
+            <a:spLocks noGrp="1"/>
+          </p:cNvSpPr>
+          <p:nvPr>
+            <p:ph type="sldNum" sz="quarter" idx="4"/>
+          </p:nvPr>
+        </p:nvSpPr>
+        <p:spPr/>
+        <p:txBody>
+          <a:bodyPr/>
+          <a:lstStyle/>
+          <a:p>
+            <a:fld id="{BA9E32BD-B201-4C38-96C4-D961A395C03A}" type="slidenum">
+              <a:rPr lang="pt-BR" smtClean="0"/>
+              <a:pPr/>
+              <a:t>5</a:t>
+            </a:fld>
+            <a:endParaRPr lang="pt-BR" dirty="0"/>
+          </a:p>
+        </p:txBody>
+      </p:sp>
+      <p:sp>
+        <p:nvSpPr>
+          <p:cNvPr id="4" name="Espaço Reservado para Conteúdo 3">
+            <a:extLst>
+              <a:ext uri="{FF2B5EF4-FFF2-40B4-BE49-F238E27FC236}">
+                <a16:creationId xmlns:a16="http://schemas.microsoft.com/office/drawing/2014/main" id="{A76EAE5F-CC05-D1EB-7EE7-77ED11454922}"/>
+              </a:ext>
+            </a:extLst>
+          </p:cNvPr>
+          <p:cNvSpPr>
+            <a:spLocks noGrp="1"/>
+          </p:cNvSpPr>
+          <p:nvPr>
+            <p:ph sz="quarter" idx="10"/>
+          </p:nvPr>
+        </p:nvSpPr>
+        <p:spPr/>
+        <p:txBody>
+          <a:bodyPr>
+            <a:normAutofit fontScale="40000" lnSpcReduction="20000"/>
+          </a:bodyPr>
+          <a:lstStyle/>
+          <a:p>
+            <a:r>
+              <a:rPr lang="pt-BR" dirty="0"/>
+              <a:t>Próximos passos</a:t>
+            </a:r>
+          </a:p>
+        </p:txBody>
+      </p:sp>
+    </p:spTree>
+    <p:extLst>
+      <p:ext uri="{BB962C8B-B14F-4D97-AF65-F5344CB8AC3E}">
+        <p14:creationId xmlns:p14="http://schemas.microsoft.com/office/powerpoint/2010/main" val="4083322503"/>
       </p:ext>
     </p:extLst>
   </p:cSld>
@@ -2688,6 +5830,30 @@
 </file>
 
 <file path=ppt/tags/tag4.xml><?xml version="1.0" encoding="utf-8"?>
+<p:tagLst xmlns:a="http://schemas.openxmlformats.org/drawingml/2006/main" xmlns:r="http://schemas.openxmlformats.org/officeDocument/2006/relationships" xmlns:p="http://schemas.openxmlformats.org/presentationml/2006/main">
+  <p:tag name="THINKCELLSHAPEDONOTDELETE" val="thinkcellActiveDocDoNotDelete"/>
+</p:tagLst>
+</file>
+
+<file path=ppt/tags/tag5.xml><?xml version="1.0" encoding="utf-8"?>
+<p:tagLst xmlns:a="http://schemas.openxmlformats.org/drawingml/2006/main" xmlns:r="http://schemas.openxmlformats.org/officeDocument/2006/relationships" xmlns:p="http://schemas.openxmlformats.org/presentationml/2006/main">
+  <p:tag name="THINKCELLSHAPEDONOTDELETE" val="thinkcellActiveDocDoNotDelete"/>
+</p:tagLst>
+</file>
+
+<file path=ppt/tags/tag6.xml><?xml version="1.0" encoding="utf-8"?>
+<p:tagLst xmlns:a="http://schemas.openxmlformats.org/drawingml/2006/main" xmlns:r="http://schemas.openxmlformats.org/officeDocument/2006/relationships" xmlns:p="http://schemas.openxmlformats.org/presentationml/2006/main">
+  <p:tag name="THINKCELLSHAPEDONOTDELETE" val="thinkcellActiveDocDoNotDelete"/>
+</p:tagLst>
+</file>
+
+<file path=ppt/tags/tag7.xml><?xml version="1.0" encoding="utf-8"?>
+<p:tagLst xmlns:a="http://schemas.openxmlformats.org/drawingml/2006/main" xmlns:r="http://schemas.openxmlformats.org/officeDocument/2006/relationships" xmlns:p="http://schemas.openxmlformats.org/presentationml/2006/main">
+  <p:tag name="THINKCELLSHAPEDONOTDELETE" val="thinkcellActiveDocDoNotDelete"/>
+</p:tagLst>
+</file>
+
+<file path=ppt/tags/tag8.xml><?xml version="1.0" encoding="utf-8"?>
 <p:tagLst xmlns:a="http://schemas.openxmlformats.org/drawingml/2006/main" xmlns:r="http://schemas.openxmlformats.org/officeDocument/2006/relationships" xmlns:p="http://schemas.openxmlformats.org/presentationml/2006/main">
   <p:tag name="THINKCELLSHAPEDONOTDELETE" val="thinkcellActiveDocDoNotDelete"/>
 </p:tagLst>
